--- a/PPTs/Ch4_ARM_Arithmetic_Logic_Exercises.pptx
+++ b/PPTs/Ch4_ARM_Arithmetic_Logic_Exercises.pptx
@@ -5,18 +5,29 @@
     <p:sldMasterId id="2147483660" r:id="rId1"/>
   </p:sldMasterIdLst>
   <p:notesMasterIdLst>
-    <p:notesMasterId r:id="rId11"/>
+    <p:notesMasterId r:id="rId22"/>
   </p:notesMasterIdLst>
   <p:sldIdLst>
     <p:sldId id="256" r:id="rId2"/>
-    <p:sldId id="383" r:id="rId3"/>
-    <p:sldId id="554" r:id="rId4"/>
-    <p:sldId id="354" r:id="rId5"/>
-    <p:sldId id="357" r:id="rId6"/>
-    <p:sldId id="384" r:id="rId7"/>
-    <p:sldId id="351" r:id="rId8"/>
-    <p:sldId id="257" r:id="rId9"/>
-    <p:sldId id="352" r:id="rId10"/>
+    <p:sldId id="555" r:id="rId3"/>
+    <p:sldId id="557" r:id="rId4"/>
+    <p:sldId id="564" r:id="rId5"/>
+    <p:sldId id="576" r:id="rId6"/>
+    <p:sldId id="578" r:id="rId7"/>
+    <p:sldId id="566" r:id="rId8"/>
+    <p:sldId id="351" r:id="rId9"/>
+    <p:sldId id="257" r:id="rId10"/>
+    <p:sldId id="352" r:id="rId11"/>
+    <p:sldId id="559" r:id="rId12"/>
+    <p:sldId id="563" r:id="rId13"/>
+    <p:sldId id="568" r:id="rId14"/>
+    <p:sldId id="571" r:id="rId15"/>
+    <p:sldId id="574" r:id="rId16"/>
+    <p:sldId id="383" r:id="rId17"/>
+    <p:sldId id="554" r:id="rId18"/>
+    <p:sldId id="354" r:id="rId19"/>
+    <p:sldId id="357" r:id="rId20"/>
+    <p:sldId id="384" r:id="rId21"/>
   </p:sldIdLst>
   <p:sldSz cx="9144000" cy="6858000" type="screen4x3"/>
   <p:notesSz cx="6858000" cy="9144000"/>
@@ -137,7 +148,7 @@
 <file path=ppt/revisionInfo.xml><?xml version="1.0" encoding="utf-8"?>
 <p1510:revInfo xmlns:a="http://schemas.openxmlformats.org/drawingml/2006/main" xmlns:r="http://schemas.openxmlformats.org/officeDocument/2006/relationships" xmlns:p1510="http://schemas.microsoft.com/office/powerpoint/2015/10/main">
   <p1510:revLst>
-    <p1510:client id="{7251F079-A0DD-4A51-A2DA-71BC5B5940DC}" v="3" dt="2025-09-22T02:42:58.790"/>
+    <p1510:client id="{191F7D32-A5D4-44C8-A28D-1F95E29E1B1E}" v="1" dt="2025-09-24T02:24:36.422"/>
   </p1510:revLst>
 </p1510:revInfo>
 </file>
@@ -146,543 +157,200 @@
 <pc:chgInfo xmlns:a="http://schemas.openxmlformats.org/drawingml/2006/main" xmlns:r="http://schemas.openxmlformats.org/officeDocument/2006/relationships" xmlns:ac="http://schemas.microsoft.com/office/drawing/2013/main/command" xmlns:pc="http://schemas.microsoft.com/office/powerpoint/2013/main/command">
   <pc:docChgLst>
     <pc:chgData name="Zonghua Gu" userId="9a7e1853e1951ef5" providerId="LiveId" clId="{CF1FAA12-072C-4ED5-BA76-0FFFAEFDB88A}"/>
-    <pc:docChg chg="undo custSel addSld delSld modSld">
-      <pc:chgData name="Zonghua Gu" userId="9a7e1853e1951ef5" providerId="LiveId" clId="{CF1FAA12-072C-4ED5-BA76-0FFFAEFDB88A}" dt="2025-09-22T02:42:58.790" v="692"/>
+    <pc:docChg chg="delSld modSld">
+      <pc:chgData name="Zonghua Gu" userId="9a7e1853e1951ef5" providerId="LiveId" clId="{CF1FAA12-072C-4ED5-BA76-0FFFAEFDB88A}" dt="2025-09-25T15:39:53.846" v="24" actId="47"/>
       <pc:docMkLst>
         <pc:docMk/>
       </pc:docMkLst>
-      <pc:sldChg chg="addSp modSp mod">
-        <pc:chgData name="Zonghua Gu" userId="9a7e1853e1951ef5" providerId="LiveId" clId="{CF1FAA12-072C-4ED5-BA76-0FFFAEFDB88A}" dt="2025-09-18T18:33:17.100" v="685" actId="20577"/>
+      <pc:sldChg chg="modSp mod">
+        <pc:chgData name="Zonghua Gu" userId="9a7e1853e1951ef5" providerId="LiveId" clId="{CF1FAA12-072C-4ED5-BA76-0FFFAEFDB88A}" dt="2025-09-24T02:21:52.230" v="0" actId="20577"/>
         <pc:sldMkLst>
           <pc:docMk/>
           <pc:sldMk cId="1227639730" sldId="256"/>
         </pc:sldMkLst>
         <pc:spChg chg="mod">
-          <ac:chgData name="Zonghua Gu" userId="9a7e1853e1951ef5" providerId="LiveId" clId="{CF1FAA12-072C-4ED5-BA76-0FFFAEFDB88A}" dt="2025-09-18T00:01:33.595" v="35" actId="20577"/>
-          <ac:spMkLst>
-            <pc:docMk/>
-            <pc:sldMk cId="1227639730" sldId="256"/>
-            <ac:spMk id="2" creationId="{00000000-0000-0000-0000-000000000000}"/>
-          </ac:spMkLst>
-        </pc:spChg>
-        <pc:spChg chg="mod">
-          <ac:chgData name="Zonghua Gu" userId="9a7e1853e1951ef5" providerId="LiveId" clId="{CF1FAA12-072C-4ED5-BA76-0FFFAEFDB88A}" dt="2025-09-16T21:27:48.835" v="8" actId="20577"/>
-          <ac:spMkLst>
-            <pc:docMk/>
-            <pc:sldMk cId="1227639730" sldId="256"/>
-            <ac:spMk id="3" creationId="{00000000-0000-0000-0000-000000000000}"/>
-          </ac:spMkLst>
-        </pc:spChg>
-        <pc:spChg chg="mod">
-          <ac:chgData name="Zonghua Gu" userId="9a7e1853e1951ef5" providerId="LiveId" clId="{CF1FAA12-072C-4ED5-BA76-0FFFAEFDB88A}" dt="2025-09-18T18:33:17.100" v="685" actId="20577"/>
+          <ac:chgData name="Zonghua Gu" userId="9a7e1853e1951ef5" providerId="LiveId" clId="{CF1FAA12-072C-4ED5-BA76-0FFFAEFDB88A}" dt="2025-09-24T02:21:52.230" v="0" actId="20577"/>
           <ac:spMkLst>
             <pc:docMk/>
             <pc:sldMk cId="1227639730" sldId="256"/>
             <ac:spMk id="5" creationId="{00000000-0000-0000-0000-000000000000}"/>
           </ac:spMkLst>
         </pc:spChg>
-        <pc:spChg chg="add mod">
-          <ac:chgData name="Zonghua Gu" userId="9a7e1853e1951ef5" providerId="LiveId" clId="{CF1FAA12-072C-4ED5-BA76-0FFFAEFDB88A}" dt="2025-09-16T21:27:38.538" v="2" actId="1076"/>
-          <ac:spMkLst>
-            <pc:docMk/>
-            <pc:sldMk cId="1227639730" sldId="256"/>
-            <ac:spMk id="7" creationId="{04F69590-944C-2F0D-5FE5-A89C06E0D2BF}"/>
-          </ac:spMkLst>
-        </pc:spChg>
       </pc:sldChg>
-      <pc:sldChg chg="addSp delSp modSp new mod">
-        <pc:chgData name="Zonghua Gu" userId="9a7e1853e1951ef5" providerId="LiveId" clId="{CF1FAA12-072C-4ED5-BA76-0FFFAEFDB88A}" dt="2025-09-18T00:54:10.339" v="566" actId="27636"/>
+      <pc:sldChg chg="del">
+        <pc:chgData name="Zonghua Gu" userId="9a7e1853e1951ef5" providerId="LiveId" clId="{CF1FAA12-072C-4ED5-BA76-0FFFAEFDB88A}" dt="2025-09-24T02:22:03.806" v="7" actId="47"/>
         <pc:sldMkLst>
           <pc:docMk/>
-          <pc:sldMk cId="868372046" sldId="257"/>
-        </pc:sldMkLst>
-        <pc:spChg chg="mod">
-          <ac:chgData name="Zonghua Gu" userId="9a7e1853e1951ef5" providerId="LiveId" clId="{CF1FAA12-072C-4ED5-BA76-0FFFAEFDB88A}" dt="2025-09-18T00:06:57.785" v="94" actId="20577"/>
-          <ac:spMkLst>
-            <pc:docMk/>
-            <pc:sldMk cId="868372046" sldId="257"/>
-            <ac:spMk id="2" creationId="{983FB880-04B3-ECE3-3ABD-F33567012B93}"/>
-          </ac:spMkLst>
-        </pc:spChg>
-        <pc:spChg chg="mod">
-          <ac:chgData name="Zonghua Gu" userId="9a7e1853e1951ef5" providerId="LiveId" clId="{CF1FAA12-072C-4ED5-BA76-0FFFAEFDB88A}" dt="2025-09-18T00:54:10.339" v="566" actId="27636"/>
-          <ac:spMkLst>
-            <pc:docMk/>
-            <pc:sldMk cId="868372046" sldId="257"/>
-            <ac:spMk id="4" creationId="{77B7521E-4543-F7E4-701C-9D4CAFA526F9}"/>
-          </ac:spMkLst>
-        </pc:spChg>
-      </pc:sldChg>
-      <pc:sldChg chg="modSp add del mod">
-        <pc:chgData name="Zonghua Gu" userId="9a7e1853e1951ef5" providerId="LiveId" clId="{CF1FAA12-072C-4ED5-BA76-0FFFAEFDB88A}" dt="2025-09-18T18:33:34.013" v="686" actId="47"/>
-        <pc:sldMkLst>
-          <pc:docMk/>
-          <pc:sldMk cId="3884576026" sldId="258"/>
-        </pc:sldMkLst>
-      </pc:sldChg>
-      <pc:sldChg chg="modSp add del mod">
-        <pc:chgData name="Zonghua Gu" userId="9a7e1853e1951ef5" providerId="LiveId" clId="{CF1FAA12-072C-4ED5-BA76-0FFFAEFDB88A}" dt="2025-09-18T18:33:34.013" v="686" actId="47"/>
-        <pc:sldMkLst>
-          <pc:docMk/>
-          <pc:sldMk cId="2205104917" sldId="259"/>
-        </pc:sldMkLst>
-      </pc:sldChg>
-      <pc:sldChg chg="modSp new del mod">
-        <pc:chgData name="Zonghua Gu" userId="9a7e1853e1951ef5" providerId="LiveId" clId="{CF1FAA12-072C-4ED5-BA76-0FFFAEFDB88A}" dt="2025-09-18T18:33:34.013" v="686" actId="47"/>
-        <pc:sldMkLst>
-          <pc:docMk/>
-          <pc:sldMk cId="2309965032" sldId="260"/>
-        </pc:sldMkLst>
-      </pc:sldChg>
-      <pc:sldChg chg="modSp new del mod">
-        <pc:chgData name="Zonghua Gu" userId="9a7e1853e1951ef5" providerId="LiveId" clId="{CF1FAA12-072C-4ED5-BA76-0FFFAEFDB88A}" dt="2025-09-18T18:33:34.013" v="686" actId="47"/>
-        <pc:sldMkLst>
-          <pc:docMk/>
-          <pc:sldMk cId="3895715509" sldId="261"/>
-        </pc:sldMkLst>
-      </pc:sldChg>
-      <pc:sldChg chg="modSp add del mod">
-        <pc:chgData name="Zonghua Gu" userId="9a7e1853e1951ef5" providerId="LiveId" clId="{CF1FAA12-072C-4ED5-BA76-0FFFAEFDB88A}" dt="2025-09-18T18:33:34.013" v="686" actId="47"/>
-        <pc:sldMkLst>
-          <pc:docMk/>
-          <pc:sldMk cId="3348230435" sldId="262"/>
+          <pc:sldMk cId="3148296310" sldId="258"/>
         </pc:sldMkLst>
       </pc:sldChg>
       <pc:sldChg chg="del">
-        <pc:chgData name="Zonghua Gu" userId="9a7e1853e1951ef5" providerId="LiveId" clId="{CF1FAA12-072C-4ED5-BA76-0FFFAEFDB88A}" dt="2025-09-16T21:32:05.630" v="31" actId="47"/>
+        <pc:chgData name="Zonghua Gu" userId="9a7e1853e1951ef5" providerId="LiveId" clId="{CF1FAA12-072C-4ED5-BA76-0FFFAEFDB88A}" dt="2025-09-24T02:22:05.319" v="8" actId="47"/>
         <pc:sldMkLst>
           <pc:docMk/>
-          <pc:sldMk cId="3420550765" sldId="272"/>
+          <pc:sldMk cId="2350803268" sldId="259"/>
         </pc:sldMkLst>
       </pc:sldChg>
       <pc:sldChg chg="del">
-        <pc:chgData name="Zonghua Gu" userId="9a7e1853e1951ef5" providerId="LiveId" clId="{CF1FAA12-072C-4ED5-BA76-0FFFAEFDB88A}" dt="2025-09-16T21:32:05.630" v="31" actId="47"/>
+        <pc:chgData name="Zonghua Gu" userId="9a7e1853e1951ef5" providerId="LiveId" clId="{CF1FAA12-072C-4ED5-BA76-0FFFAEFDB88A}" dt="2025-09-24T02:22:08.382" v="9" actId="47"/>
         <pc:sldMkLst>
           <pc:docMk/>
-          <pc:sldMk cId="2059043100" sldId="277"/>
+          <pc:sldMk cId="3642733396" sldId="260"/>
         </pc:sldMkLst>
       </pc:sldChg>
       <pc:sldChg chg="del">
-        <pc:chgData name="Zonghua Gu" userId="9a7e1853e1951ef5" providerId="LiveId" clId="{CF1FAA12-072C-4ED5-BA76-0FFFAEFDB88A}" dt="2025-09-16T21:32:05.630" v="31" actId="47"/>
+        <pc:chgData name="Zonghua Gu" userId="9a7e1853e1951ef5" providerId="LiveId" clId="{CF1FAA12-072C-4ED5-BA76-0FFFAEFDB88A}" dt="2025-09-24T02:22:08.382" v="9" actId="47"/>
         <pc:sldMkLst>
           <pc:docMk/>
-          <pc:sldMk cId="2290796456" sldId="279"/>
+          <pc:sldMk cId="3881216825" sldId="261"/>
         </pc:sldMkLst>
       </pc:sldChg>
       <pc:sldChg chg="del">
-        <pc:chgData name="Zonghua Gu" userId="9a7e1853e1951ef5" providerId="LiveId" clId="{CF1FAA12-072C-4ED5-BA76-0FFFAEFDB88A}" dt="2025-09-16T21:32:05.630" v="31" actId="47"/>
+        <pc:chgData name="Zonghua Gu" userId="9a7e1853e1951ef5" providerId="LiveId" clId="{CF1FAA12-072C-4ED5-BA76-0FFFAEFDB88A}" dt="2025-09-25T15:39:53.846" v="24" actId="47"/>
         <pc:sldMkLst>
           <pc:docMk/>
-          <pc:sldMk cId="3012842885" sldId="281"/>
+          <pc:sldMk cId="2531244333" sldId="262"/>
         </pc:sldMkLst>
       </pc:sldChg>
       <pc:sldChg chg="del">
-        <pc:chgData name="Zonghua Gu" userId="9a7e1853e1951ef5" providerId="LiveId" clId="{CF1FAA12-072C-4ED5-BA76-0FFFAEFDB88A}" dt="2025-09-16T21:32:05.630" v="31" actId="47"/>
+        <pc:chgData name="Zonghua Gu" userId="9a7e1853e1951ef5" providerId="LiveId" clId="{CF1FAA12-072C-4ED5-BA76-0FFFAEFDB88A}" dt="2025-09-24T02:22:09.684" v="10" actId="47"/>
         <pc:sldMkLst>
           <pc:docMk/>
-          <pc:sldMk cId="2511335096" sldId="282"/>
+          <pc:sldMk cId="3254334378" sldId="353"/>
         </pc:sldMkLst>
       </pc:sldChg>
       <pc:sldChg chg="del">
-        <pc:chgData name="Zonghua Gu" userId="9a7e1853e1951ef5" providerId="LiveId" clId="{CF1FAA12-072C-4ED5-BA76-0FFFAEFDB88A}" dt="2025-09-16T21:32:05.630" v="31" actId="47"/>
-        <pc:sldMkLst>
-          <pc:docMk/>
-          <pc:sldMk cId="3668909280" sldId="283"/>
-        </pc:sldMkLst>
-      </pc:sldChg>
-      <pc:sldChg chg="del">
-        <pc:chgData name="Zonghua Gu" userId="9a7e1853e1951ef5" providerId="LiveId" clId="{CF1FAA12-072C-4ED5-BA76-0FFFAEFDB88A}" dt="2025-09-16T21:32:05.630" v="31" actId="47"/>
-        <pc:sldMkLst>
-          <pc:docMk/>
-          <pc:sldMk cId="271435320" sldId="284"/>
-        </pc:sldMkLst>
-      </pc:sldChg>
-      <pc:sldChg chg="del">
-        <pc:chgData name="Zonghua Gu" userId="9a7e1853e1951ef5" providerId="LiveId" clId="{CF1FAA12-072C-4ED5-BA76-0FFFAEFDB88A}" dt="2025-09-16T21:32:05.630" v="31" actId="47"/>
-        <pc:sldMkLst>
-          <pc:docMk/>
-          <pc:sldMk cId="3704552365" sldId="285"/>
-        </pc:sldMkLst>
-      </pc:sldChg>
-      <pc:sldChg chg="del">
-        <pc:chgData name="Zonghua Gu" userId="9a7e1853e1951ef5" providerId="LiveId" clId="{CF1FAA12-072C-4ED5-BA76-0FFFAEFDB88A}" dt="2025-09-16T21:32:05.630" v="31" actId="47"/>
-        <pc:sldMkLst>
-          <pc:docMk/>
-          <pc:sldMk cId="3106604463" sldId="286"/>
-        </pc:sldMkLst>
-      </pc:sldChg>
-      <pc:sldChg chg="del">
-        <pc:chgData name="Zonghua Gu" userId="9a7e1853e1951ef5" providerId="LiveId" clId="{CF1FAA12-072C-4ED5-BA76-0FFFAEFDB88A}" dt="2025-09-16T21:32:05.630" v="31" actId="47"/>
-        <pc:sldMkLst>
-          <pc:docMk/>
-          <pc:sldMk cId="3646693943" sldId="287"/>
-        </pc:sldMkLst>
-      </pc:sldChg>
-      <pc:sldChg chg="del">
-        <pc:chgData name="Zonghua Gu" userId="9a7e1853e1951ef5" providerId="LiveId" clId="{CF1FAA12-072C-4ED5-BA76-0FFFAEFDB88A}" dt="2025-09-16T21:32:05.630" v="31" actId="47"/>
-        <pc:sldMkLst>
-          <pc:docMk/>
-          <pc:sldMk cId="2844324683" sldId="288"/>
-        </pc:sldMkLst>
-      </pc:sldChg>
-      <pc:sldChg chg="del">
-        <pc:chgData name="Zonghua Gu" userId="9a7e1853e1951ef5" providerId="LiveId" clId="{CF1FAA12-072C-4ED5-BA76-0FFFAEFDB88A}" dt="2025-09-16T21:32:05.630" v="31" actId="47"/>
-        <pc:sldMkLst>
-          <pc:docMk/>
-          <pc:sldMk cId="1884958220" sldId="289"/>
-        </pc:sldMkLst>
-      </pc:sldChg>
-      <pc:sldChg chg="del">
-        <pc:chgData name="Zonghua Gu" userId="9a7e1853e1951ef5" providerId="LiveId" clId="{CF1FAA12-072C-4ED5-BA76-0FFFAEFDB88A}" dt="2025-09-16T21:32:05.630" v="31" actId="47"/>
-        <pc:sldMkLst>
-          <pc:docMk/>
-          <pc:sldMk cId="29255324" sldId="291"/>
-        </pc:sldMkLst>
-      </pc:sldChg>
-      <pc:sldChg chg="del">
-        <pc:chgData name="Zonghua Gu" userId="9a7e1853e1951ef5" providerId="LiveId" clId="{CF1FAA12-072C-4ED5-BA76-0FFFAEFDB88A}" dt="2025-09-16T21:32:05.630" v="31" actId="47"/>
-        <pc:sldMkLst>
-          <pc:docMk/>
-          <pc:sldMk cId="1771709229" sldId="292"/>
-        </pc:sldMkLst>
-      </pc:sldChg>
-      <pc:sldChg chg="modSp del mod">
-        <pc:chgData name="Zonghua Gu" userId="9a7e1853e1951ef5" providerId="LiveId" clId="{CF1FAA12-072C-4ED5-BA76-0FFFAEFDB88A}" dt="2025-09-16T21:32:05.630" v="31" actId="47"/>
-        <pc:sldMkLst>
-          <pc:docMk/>
-          <pc:sldMk cId="1337576135" sldId="293"/>
-        </pc:sldMkLst>
-      </pc:sldChg>
-      <pc:sldChg chg="del">
-        <pc:chgData name="Zonghua Gu" userId="9a7e1853e1951ef5" providerId="LiveId" clId="{CF1FAA12-072C-4ED5-BA76-0FFFAEFDB88A}" dt="2025-09-16T21:32:05.630" v="31" actId="47"/>
-        <pc:sldMkLst>
-          <pc:docMk/>
-          <pc:sldMk cId="1459654649" sldId="295"/>
-        </pc:sldMkLst>
-      </pc:sldChg>
-      <pc:sldChg chg="del">
-        <pc:chgData name="Zonghua Gu" userId="9a7e1853e1951ef5" providerId="LiveId" clId="{CF1FAA12-072C-4ED5-BA76-0FFFAEFDB88A}" dt="2025-09-16T21:32:05.630" v="31" actId="47"/>
-        <pc:sldMkLst>
-          <pc:docMk/>
-          <pc:sldMk cId="1274838406" sldId="306"/>
-        </pc:sldMkLst>
-      </pc:sldChg>
-      <pc:sldChg chg="del">
-        <pc:chgData name="Zonghua Gu" userId="9a7e1853e1951ef5" providerId="LiveId" clId="{CF1FAA12-072C-4ED5-BA76-0FFFAEFDB88A}" dt="2025-09-16T21:32:05.630" v="31" actId="47"/>
-        <pc:sldMkLst>
-          <pc:docMk/>
-          <pc:sldMk cId="2785807384" sldId="307"/>
-        </pc:sldMkLst>
-      </pc:sldChg>
-      <pc:sldChg chg="del">
-        <pc:chgData name="Zonghua Gu" userId="9a7e1853e1951ef5" providerId="LiveId" clId="{CF1FAA12-072C-4ED5-BA76-0FFFAEFDB88A}" dt="2025-09-16T21:32:05.630" v="31" actId="47"/>
-        <pc:sldMkLst>
-          <pc:docMk/>
-          <pc:sldMk cId="2644265921" sldId="312"/>
-        </pc:sldMkLst>
-      </pc:sldChg>
-      <pc:sldChg chg="del">
-        <pc:chgData name="Zonghua Gu" userId="9a7e1853e1951ef5" providerId="LiveId" clId="{CF1FAA12-072C-4ED5-BA76-0FFFAEFDB88A}" dt="2025-09-16T21:32:05.630" v="31" actId="47"/>
-        <pc:sldMkLst>
-          <pc:docMk/>
-          <pc:sldMk cId="1277304446" sldId="313"/>
-        </pc:sldMkLst>
-      </pc:sldChg>
-      <pc:sldChg chg="del">
-        <pc:chgData name="Zonghua Gu" userId="9a7e1853e1951ef5" providerId="LiveId" clId="{CF1FAA12-072C-4ED5-BA76-0FFFAEFDB88A}" dt="2025-09-16T21:32:05.630" v="31" actId="47"/>
-        <pc:sldMkLst>
-          <pc:docMk/>
-          <pc:sldMk cId="2099586659" sldId="314"/>
-        </pc:sldMkLst>
-      </pc:sldChg>
-      <pc:sldChg chg="del">
-        <pc:chgData name="Zonghua Gu" userId="9a7e1853e1951ef5" providerId="LiveId" clId="{CF1FAA12-072C-4ED5-BA76-0FFFAEFDB88A}" dt="2025-09-16T21:32:05.630" v="31" actId="47"/>
-        <pc:sldMkLst>
-          <pc:docMk/>
-          <pc:sldMk cId="430688265" sldId="315"/>
-        </pc:sldMkLst>
-      </pc:sldChg>
-      <pc:sldChg chg="del">
-        <pc:chgData name="Zonghua Gu" userId="9a7e1853e1951ef5" providerId="LiveId" clId="{CF1FAA12-072C-4ED5-BA76-0FFFAEFDB88A}" dt="2025-09-16T21:32:05.630" v="31" actId="47"/>
-        <pc:sldMkLst>
-          <pc:docMk/>
-          <pc:sldMk cId="2128225317" sldId="316"/>
-        </pc:sldMkLst>
-      </pc:sldChg>
-      <pc:sldChg chg="del">
-        <pc:chgData name="Zonghua Gu" userId="9a7e1853e1951ef5" providerId="LiveId" clId="{CF1FAA12-072C-4ED5-BA76-0FFFAEFDB88A}" dt="2025-09-16T21:32:05.630" v="31" actId="47"/>
-        <pc:sldMkLst>
-          <pc:docMk/>
-          <pc:sldMk cId="1703302262" sldId="317"/>
-        </pc:sldMkLst>
-      </pc:sldChg>
-      <pc:sldChg chg="del">
-        <pc:chgData name="Zonghua Gu" userId="9a7e1853e1951ef5" providerId="LiveId" clId="{CF1FAA12-072C-4ED5-BA76-0FFFAEFDB88A}" dt="2025-09-16T21:32:05.630" v="31" actId="47"/>
-        <pc:sldMkLst>
-          <pc:docMk/>
-          <pc:sldMk cId="2321944581" sldId="318"/>
-        </pc:sldMkLst>
-      </pc:sldChg>
-      <pc:sldChg chg="del">
-        <pc:chgData name="Zonghua Gu" userId="9a7e1853e1951ef5" providerId="LiveId" clId="{CF1FAA12-072C-4ED5-BA76-0FFFAEFDB88A}" dt="2025-09-16T21:32:05.630" v="31" actId="47"/>
-        <pc:sldMkLst>
-          <pc:docMk/>
-          <pc:sldMk cId="3152283833" sldId="320"/>
-        </pc:sldMkLst>
-      </pc:sldChg>
-      <pc:sldChg chg="del">
-        <pc:chgData name="Zonghua Gu" userId="9a7e1853e1951ef5" providerId="LiveId" clId="{CF1FAA12-072C-4ED5-BA76-0FFFAEFDB88A}" dt="2025-09-16T21:32:05.630" v="31" actId="47"/>
-        <pc:sldMkLst>
-          <pc:docMk/>
-          <pc:sldMk cId="1720761071" sldId="322"/>
-        </pc:sldMkLst>
-      </pc:sldChg>
-      <pc:sldChg chg="del">
-        <pc:chgData name="Zonghua Gu" userId="9a7e1853e1951ef5" providerId="LiveId" clId="{CF1FAA12-072C-4ED5-BA76-0FFFAEFDB88A}" dt="2025-09-16T21:32:05.630" v="31" actId="47"/>
-        <pc:sldMkLst>
-          <pc:docMk/>
-          <pc:sldMk cId="4133200898" sldId="323"/>
-        </pc:sldMkLst>
-      </pc:sldChg>
-      <pc:sldChg chg="del">
-        <pc:chgData name="Zonghua Gu" userId="9a7e1853e1951ef5" providerId="LiveId" clId="{CF1FAA12-072C-4ED5-BA76-0FFFAEFDB88A}" dt="2025-09-16T21:32:05.630" v="31" actId="47"/>
-        <pc:sldMkLst>
-          <pc:docMk/>
-          <pc:sldMk cId="2177597633" sldId="324"/>
-        </pc:sldMkLst>
-      </pc:sldChg>
-      <pc:sldChg chg="del">
-        <pc:chgData name="Zonghua Gu" userId="9a7e1853e1951ef5" providerId="LiveId" clId="{CF1FAA12-072C-4ED5-BA76-0FFFAEFDB88A}" dt="2025-09-16T21:32:05.630" v="31" actId="47"/>
-        <pc:sldMkLst>
-          <pc:docMk/>
-          <pc:sldMk cId="2177597633" sldId="325"/>
-        </pc:sldMkLst>
-      </pc:sldChg>
-      <pc:sldChg chg="del">
-        <pc:chgData name="Zonghua Gu" userId="9a7e1853e1951ef5" providerId="LiveId" clId="{CF1FAA12-072C-4ED5-BA76-0FFFAEFDB88A}" dt="2025-09-16T21:32:05.630" v="31" actId="47"/>
-        <pc:sldMkLst>
-          <pc:docMk/>
-          <pc:sldMk cId="975851832" sldId="326"/>
-        </pc:sldMkLst>
-      </pc:sldChg>
-      <pc:sldChg chg="del">
-        <pc:chgData name="Zonghua Gu" userId="9a7e1853e1951ef5" providerId="LiveId" clId="{CF1FAA12-072C-4ED5-BA76-0FFFAEFDB88A}" dt="2025-09-16T21:32:05.630" v="31" actId="47"/>
-        <pc:sldMkLst>
-          <pc:docMk/>
-          <pc:sldMk cId="342584573" sldId="328"/>
-        </pc:sldMkLst>
-      </pc:sldChg>
-      <pc:sldChg chg="del">
-        <pc:chgData name="Zonghua Gu" userId="9a7e1853e1951ef5" providerId="LiveId" clId="{CF1FAA12-072C-4ED5-BA76-0FFFAEFDB88A}" dt="2025-09-16T21:32:05.630" v="31" actId="47"/>
-        <pc:sldMkLst>
-          <pc:docMk/>
-          <pc:sldMk cId="2148212839" sldId="329"/>
-        </pc:sldMkLst>
-      </pc:sldChg>
-      <pc:sldChg chg="del">
-        <pc:chgData name="Zonghua Gu" userId="9a7e1853e1951ef5" providerId="LiveId" clId="{CF1FAA12-072C-4ED5-BA76-0FFFAEFDB88A}" dt="2025-09-16T21:32:05.630" v="31" actId="47"/>
-        <pc:sldMkLst>
-          <pc:docMk/>
-          <pc:sldMk cId="1380735846" sldId="330"/>
-        </pc:sldMkLst>
-      </pc:sldChg>
-      <pc:sldChg chg="del">
-        <pc:chgData name="Zonghua Gu" userId="9a7e1853e1951ef5" providerId="LiveId" clId="{CF1FAA12-072C-4ED5-BA76-0FFFAEFDB88A}" dt="2025-09-16T21:32:05.630" v="31" actId="47"/>
-        <pc:sldMkLst>
-          <pc:docMk/>
-          <pc:sldMk cId="1640407279" sldId="331"/>
-        </pc:sldMkLst>
-      </pc:sldChg>
-      <pc:sldChg chg="del">
-        <pc:chgData name="Zonghua Gu" userId="9a7e1853e1951ef5" providerId="LiveId" clId="{CF1FAA12-072C-4ED5-BA76-0FFFAEFDB88A}" dt="2025-09-16T21:32:05.630" v="31" actId="47"/>
-        <pc:sldMkLst>
-          <pc:docMk/>
-          <pc:sldMk cId="4134758979" sldId="332"/>
-        </pc:sldMkLst>
-      </pc:sldChg>
-      <pc:sldChg chg="del">
-        <pc:chgData name="Zonghua Gu" userId="9a7e1853e1951ef5" providerId="LiveId" clId="{CF1FAA12-072C-4ED5-BA76-0FFFAEFDB88A}" dt="2025-09-16T21:32:05.630" v="31" actId="47"/>
-        <pc:sldMkLst>
-          <pc:docMk/>
-          <pc:sldMk cId="45956393" sldId="333"/>
-        </pc:sldMkLst>
-      </pc:sldChg>
-      <pc:sldChg chg="del">
-        <pc:chgData name="Zonghua Gu" userId="9a7e1853e1951ef5" providerId="LiveId" clId="{CF1FAA12-072C-4ED5-BA76-0FFFAEFDB88A}" dt="2025-09-16T21:32:05.630" v="31" actId="47"/>
-        <pc:sldMkLst>
-          <pc:docMk/>
-          <pc:sldMk cId="1913135421" sldId="334"/>
-        </pc:sldMkLst>
-      </pc:sldChg>
-      <pc:sldChg chg="del">
-        <pc:chgData name="Zonghua Gu" userId="9a7e1853e1951ef5" providerId="LiveId" clId="{CF1FAA12-072C-4ED5-BA76-0FFFAEFDB88A}" dt="2025-09-16T21:32:05.630" v="31" actId="47"/>
-        <pc:sldMkLst>
-          <pc:docMk/>
-          <pc:sldMk cId="3816386607" sldId="335"/>
-        </pc:sldMkLst>
-      </pc:sldChg>
-      <pc:sldChg chg="del">
-        <pc:chgData name="Zonghua Gu" userId="9a7e1853e1951ef5" providerId="LiveId" clId="{CF1FAA12-072C-4ED5-BA76-0FFFAEFDB88A}" dt="2025-09-16T21:32:05.630" v="31" actId="47"/>
-        <pc:sldMkLst>
-          <pc:docMk/>
-          <pc:sldMk cId="3525808290" sldId="336"/>
-        </pc:sldMkLst>
-      </pc:sldChg>
-      <pc:sldChg chg="del">
-        <pc:chgData name="Zonghua Gu" userId="9a7e1853e1951ef5" providerId="LiveId" clId="{CF1FAA12-072C-4ED5-BA76-0FFFAEFDB88A}" dt="2025-09-16T21:32:05.630" v="31" actId="47"/>
-        <pc:sldMkLst>
-          <pc:docMk/>
-          <pc:sldMk cId="1861246248" sldId="337"/>
-        </pc:sldMkLst>
-      </pc:sldChg>
-      <pc:sldChg chg="del">
-        <pc:chgData name="Zonghua Gu" userId="9a7e1853e1951ef5" providerId="LiveId" clId="{CF1FAA12-072C-4ED5-BA76-0FFFAEFDB88A}" dt="2025-09-16T21:32:05.630" v="31" actId="47"/>
-        <pc:sldMkLst>
-          <pc:docMk/>
-          <pc:sldMk cId="2476710942" sldId="338"/>
-        </pc:sldMkLst>
-      </pc:sldChg>
-      <pc:sldChg chg="del">
-        <pc:chgData name="Zonghua Gu" userId="9a7e1853e1951ef5" providerId="LiveId" clId="{CF1FAA12-072C-4ED5-BA76-0FFFAEFDB88A}" dt="2025-09-16T21:32:05.630" v="31" actId="47"/>
-        <pc:sldMkLst>
-          <pc:docMk/>
-          <pc:sldMk cId="4270472410" sldId="341"/>
-        </pc:sldMkLst>
-      </pc:sldChg>
-      <pc:sldChg chg="del">
-        <pc:chgData name="Zonghua Gu" userId="9a7e1853e1951ef5" providerId="LiveId" clId="{CF1FAA12-072C-4ED5-BA76-0FFFAEFDB88A}" dt="2025-09-16T21:32:05.630" v="31" actId="47"/>
-        <pc:sldMkLst>
-          <pc:docMk/>
-          <pc:sldMk cId="3897190462" sldId="342"/>
-        </pc:sldMkLst>
-      </pc:sldChg>
-      <pc:sldChg chg="del">
-        <pc:chgData name="Zonghua Gu" userId="9a7e1853e1951ef5" providerId="LiveId" clId="{CF1FAA12-072C-4ED5-BA76-0FFFAEFDB88A}" dt="2025-09-16T21:32:05.630" v="31" actId="47"/>
-        <pc:sldMkLst>
-          <pc:docMk/>
-          <pc:sldMk cId="3398840445" sldId="343"/>
-        </pc:sldMkLst>
-      </pc:sldChg>
-      <pc:sldChg chg="del">
-        <pc:chgData name="Zonghua Gu" userId="9a7e1853e1951ef5" providerId="LiveId" clId="{CF1FAA12-072C-4ED5-BA76-0FFFAEFDB88A}" dt="2025-09-16T21:32:05.630" v="31" actId="47"/>
-        <pc:sldMkLst>
-          <pc:docMk/>
-          <pc:sldMk cId="1330855799" sldId="344"/>
-        </pc:sldMkLst>
-      </pc:sldChg>
-      <pc:sldChg chg="del">
-        <pc:chgData name="Zonghua Gu" userId="9a7e1853e1951ef5" providerId="LiveId" clId="{CF1FAA12-072C-4ED5-BA76-0FFFAEFDB88A}" dt="2025-09-16T21:32:05.630" v="31" actId="47"/>
-        <pc:sldMkLst>
-          <pc:docMk/>
-          <pc:sldMk cId="3251034726" sldId="345"/>
-        </pc:sldMkLst>
-      </pc:sldChg>
-      <pc:sldChg chg="del">
-        <pc:chgData name="Zonghua Gu" userId="9a7e1853e1951ef5" providerId="LiveId" clId="{CF1FAA12-072C-4ED5-BA76-0FFFAEFDB88A}" dt="2025-09-16T21:32:05.630" v="31" actId="47"/>
-        <pc:sldMkLst>
-          <pc:docMk/>
-          <pc:sldMk cId="3132066556" sldId="346"/>
-        </pc:sldMkLst>
-      </pc:sldChg>
-      <pc:sldChg chg="addSp delSp modSp add mod">
-        <pc:chgData name="Zonghua Gu" userId="9a7e1853e1951ef5" providerId="LiveId" clId="{CF1FAA12-072C-4ED5-BA76-0FFFAEFDB88A}" dt="2025-09-18T01:06:58.583" v="587" actId="478"/>
-        <pc:sldMkLst>
-          <pc:docMk/>
-          <pc:sldMk cId="2996946337" sldId="351"/>
-        </pc:sldMkLst>
-        <pc:spChg chg="add mod">
-          <ac:chgData name="Zonghua Gu" userId="9a7e1853e1951ef5" providerId="LiveId" clId="{CF1FAA12-072C-4ED5-BA76-0FFFAEFDB88A}" dt="2025-09-18T01:06:56.563" v="586" actId="1076"/>
-          <ac:spMkLst>
-            <pc:docMk/>
-            <pc:sldMk cId="2996946337" sldId="351"/>
-            <ac:spMk id="6" creationId="{E5E988BA-EC48-9C00-F0B8-EA356F0F3223}"/>
-          </ac:spMkLst>
-        </pc:spChg>
-      </pc:sldChg>
-      <pc:sldChg chg="modSp new mod">
-        <pc:chgData name="Zonghua Gu" userId="9a7e1853e1951ef5" providerId="LiveId" clId="{CF1FAA12-072C-4ED5-BA76-0FFFAEFDB88A}" dt="2025-09-18T01:37:23.689" v="677" actId="15"/>
-        <pc:sldMkLst>
-          <pc:docMk/>
-          <pc:sldMk cId="544675658" sldId="352"/>
-        </pc:sldMkLst>
-        <pc:spChg chg="mod">
-          <ac:chgData name="Zonghua Gu" userId="9a7e1853e1951ef5" providerId="LiveId" clId="{CF1FAA12-072C-4ED5-BA76-0FFFAEFDB88A}" dt="2025-09-18T01:32:22.124" v="611" actId="20577"/>
-          <ac:spMkLst>
-            <pc:docMk/>
-            <pc:sldMk cId="544675658" sldId="352"/>
-            <ac:spMk id="2" creationId="{DD9933DF-9610-809C-11B2-6E559AD6FCAA}"/>
-          </ac:spMkLst>
-        </pc:spChg>
-        <pc:spChg chg="mod">
-          <ac:chgData name="Zonghua Gu" userId="9a7e1853e1951ef5" providerId="LiveId" clId="{CF1FAA12-072C-4ED5-BA76-0FFFAEFDB88A}" dt="2025-09-18T01:37:23.689" v="677" actId="15"/>
-          <ac:spMkLst>
-            <pc:docMk/>
-            <pc:sldMk cId="544675658" sldId="352"/>
-            <ac:spMk id="4" creationId="{815194D1-447C-6A4E-281D-DAB9A59A84CD}"/>
-          </ac:spMkLst>
-        </pc:spChg>
-      </pc:sldChg>
-      <pc:sldChg chg="modSp new del mod">
-        <pc:chgData name="Zonghua Gu" userId="9a7e1853e1951ef5" providerId="LiveId" clId="{CF1FAA12-072C-4ED5-BA76-0FFFAEFDB88A}" dt="2025-09-18T18:33:35.763" v="687" actId="47"/>
-        <pc:sldMkLst>
-          <pc:docMk/>
-          <pc:sldMk cId="188395404" sldId="353"/>
-        </pc:sldMkLst>
-      </pc:sldChg>
-      <pc:sldChg chg="add del">
-        <pc:chgData name="Zonghua Gu" userId="9a7e1853e1951ef5" providerId="LiveId" clId="{CF1FAA12-072C-4ED5-BA76-0FFFAEFDB88A}" dt="2025-09-22T02:42:58.790" v="692"/>
-        <pc:sldMkLst>
-          <pc:docMk/>
-          <pc:sldMk cId="2291445225" sldId="354"/>
-        </pc:sldMkLst>
-      </pc:sldChg>
-      <pc:sldChg chg="add del">
-        <pc:chgData name="Zonghua Gu" userId="9a7e1853e1951ef5" providerId="LiveId" clId="{CF1FAA12-072C-4ED5-BA76-0FFFAEFDB88A}" dt="2025-09-21T20:35:51" v="689" actId="47"/>
-        <pc:sldMkLst>
-          <pc:docMk/>
-          <pc:sldMk cId="3325406462" sldId="355"/>
-        </pc:sldMkLst>
-      </pc:sldChg>
-      <pc:sldChg chg="add del">
-        <pc:chgData name="Zonghua Gu" userId="9a7e1853e1951ef5" providerId="LiveId" clId="{CF1FAA12-072C-4ED5-BA76-0FFFAEFDB88A}" dt="2025-09-21T20:35:51" v="689" actId="47"/>
+        <pc:chgData name="Zonghua Gu" userId="9a7e1853e1951ef5" providerId="LiveId" clId="{CF1FAA12-072C-4ED5-BA76-0FFFAEFDB88A}" dt="2025-09-24T02:22:24.782" v="18" actId="47"/>
         <pc:sldMkLst>
           <pc:docMk/>
           <pc:sldMk cId="3592227053" sldId="356"/>
         </pc:sldMkLst>
       </pc:sldChg>
-      <pc:sldChg chg="add del">
-        <pc:chgData name="Zonghua Gu" userId="9a7e1853e1951ef5" providerId="LiveId" clId="{CF1FAA12-072C-4ED5-BA76-0FFFAEFDB88A}" dt="2025-09-22T02:42:58.790" v="692"/>
-        <pc:sldMkLst>
-          <pc:docMk/>
-          <pc:sldMk cId="1401545001" sldId="357"/>
-        </pc:sldMkLst>
-      </pc:sldChg>
-      <pc:sldChg chg="add del">
-        <pc:chgData name="Zonghua Gu" userId="9a7e1853e1951ef5" providerId="LiveId" clId="{CF1FAA12-072C-4ED5-BA76-0FFFAEFDB88A}" dt="2025-09-21T20:35:51" v="689" actId="47"/>
+      <pc:sldChg chg="del">
+        <pc:chgData name="Zonghua Gu" userId="9a7e1853e1951ef5" providerId="LiveId" clId="{CF1FAA12-072C-4ED5-BA76-0FFFAEFDB88A}" dt="2025-09-24T02:22:26.628" v="19" actId="47"/>
         <pc:sldMkLst>
           <pc:docMk/>
           <pc:sldMk cId="1087692432" sldId="358"/>
         </pc:sldMkLst>
       </pc:sldChg>
-      <pc:sldChg chg="add">
-        <pc:chgData name="Zonghua Gu" userId="9a7e1853e1951ef5" providerId="LiveId" clId="{CF1FAA12-072C-4ED5-BA76-0FFFAEFDB88A}" dt="2025-09-22T02:42:58.790" v="692"/>
+      <pc:sldChg chg="del">
+        <pc:chgData name="Zonghua Gu" userId="9a7e1853e1951ef5" providerId="LiveId" clId="{CF1FAA12-072C-4ED5-BA76-0FFFAEFDB88A}" dt="2025-09-24T02:22:27.907" v="20" actId="47"/>
         <pc:sldMkLst>
           <pc:docMk/>
-          <pc:sldMk cId="2623990252" sldId="383"/>
+          <pc:sldMk cId="3808152940" sldId="385"/>
         </pc:sldMkLst>
       </pc:sldChg>
-      <pc:sldChg chg="add">
-        <pc:chgData name="Zonghua Gu" userId="9a7e1853e1951ef5" providerId="LiveId" clId="{CF1FAA12-072C-4ED5-BA76-0FFFAEFDB88A}" dt="2025-09-22T02:42:31.449" v="690"/>
+      <pc:sldChg chg="del">
+        <pc:chgData name="Zonghua Gu" userId="9a7e1853e1951ef5" providerId="LiveId" clId="{CF1FAA12-072C-4ED5-BA76-0FFFAEFDB88A}" dt="2025-09-24T02:22:28.676" v="21" actId="47"/>
         <pc:sldMkLst>
           <pc:docMk/>
-          <pc:sldMk cId="1456166100" sldId="384"/>
+          <pc:sldMk cId="1496054644" sldId="387"/>
         </pc:sldMkLst>
       </pc:sldChg>
-      <pc:sldChg chg="add">
-        <pc:chgData name="Zonghua Gu" userId="9a7e1853e1951ef5" providerId="LiveId" clId="{CF1FAA12-072C-4ED5-BA76-0FFFAEFDB88A}" dt="2025-09-22T02:42:58.790" v="692"/>
+      <pc:sldChg chg="del">
+        <pc:chgData name="Zonghua Gu" userId="9a7e1853e1951ef5" providerId="LiveId" clId="{CF1FAA12-072C-4ED5-BA76-0FFFAEFDB88A}" dt="2025-09-24T02:21:55.533" v="1" actId="47"/>
         <pc:sldMkLst>
           <pc:docMk/>
-          <pc:sldMk cId="4009754153" sldId="554"/>
+          <pc:sldMk cId="3198797166" sldId="556"/>
+        </pc:sldMkLst>
+      </pc:sldChg>
+      <pc:sldChg chg="del">
+        <pc:chgData name="Zonghua Gu" userId="9a7e1853e1951ef5" providerId="LiveId" clId="{CF1FAA12-072C-4ED5-BA76-0FFFAEFDB88A}" dt="2025-09-24T02:21:56.684" v="2" actId="47"/>
+        <pc:sldMkLst>
+          <pc:docMk/>
+          <pc:sldMk cId="3001218416" sldId="558"/>
+        </pc:sldMkLst>
+      </pc:sldChg>
+      <pc:sldChg chg="del">
+        <pc:chgData name="Zonghua Gu" userId="9a7e1853e1951ef5" providerId="LiveId" clId="{CF1FAA12-072C-4ED5-BA76-0FFFAEFDB88A}" dt="2025-09-24T02:22:10.688" v="11" actId="47"/>
+        <pc:sldMkLst>
+          <pc:docMk/>
+          <pc:sldMk cId="1329116476" sldId="560"/>
+        </pc:sldMkLst>
+      </pc:sldChg>
+      <pc:sldChg chg="del">
+        <pc:chgData name="Zonghua Gu" userId="9a7e1853e1951ef5" providerId="LiveId" clId="{CF1FAA12-072C-4ED5-BA76-0FFFAEFDB88A}" dt="2025-09-24T02:22:11.606" v="12" actId="47"/>
+        <pc:sldMkLst>
+          <pc:docMk/>
+          <pc:sldMk cId="3280752258" sldId="561"/>
+        </pc:sldMkLst>
+      </pc:sldChg>
+      <pc:sldChg chg="del">
+        <pc:chgData name="Zonghua Gu" userId="9a7e1853e1951ef5" providerId="LiveId" clId="{CF1FAA12-072C-4ED5-BA76-0FFFAEFDB88A}" dt="2025-09-24T02:22:12.953" v="13" actId="47"/>
+        <pc:sldMkLst>
+          <pc:docMk/>
+          <pc:sldMk cId="2226504781" sldId="562"/>
+        </pc:sldMkLst>
+      </pc:sldChg>
+      <pc:sldChg chg="del">
+        <pc:chgData name="Zonghua Gu" userId="9a7e1853e1951ef5" providerId="LiveId" clId="{CF1FAA12-072C-4ED5-BA76-0FFFAEFDB88A}" dt="2025-09-24T02:21:57.566" v="3" actId="47"/>
+        <pc:sldMkLst>
+          <pc:docMk/>
+          <pc:sldMk cId="3678485956" sldId="565"/>
+        </pc:sldMkLst>
+      </pc:sldChg>
+      <pc:sldChg chg="del">
+        <pc:chgData name="Zonghua Gu" userId="9a7e1853e1951ef5" providerId="LiveId" clId="{CF1FAA12-072C-4ED5-BA76-0FFFAEFDB88A}" dt="2025-09-24T02:22:01.402" v="6" actId="47"/>
+        <pc:sldMkLst>
+          <pc:docMk/>
+          <pc:sldMk cId="4150398855" sldId="567"/>
+        </pc:sldMkLst>
+      </pc:sldChg>
+      <pc:sldChg chg="modSp mod">
+        <pc:chgData name="Zonghua Gu" userId="9a7e1853e1951ef5" providerId="LiveId" clId="{CF1FAA12-072C-4ED5-BA76-0FFFAEFDB88A}" dt="2025-09-24T02:24:36.422" v="23"/>
+        <pc:sldMkLst>
+          <pc:docMk/>
+          <pc:sldMk cId="570184693" sldId="568"/>
+        </pc:sldMkLst>
+        <pc:spChg chg="mod">
+          <ac:chgData name="Zonghua Gu" userId="9a7e1853e1951ef5" providerId="LiveId" clId="{CF1FAA12-072C-4ED5-BA76-0FFFAEFDB88A}" dt="2025-09-24T02:24:36.422" v="23"/>
+          <ac:spMkLst>
+            <pc:docMk/>
+            <pc:sldMk cId="570184693" sldId="568"/>
+            <ac:spMk id="4" creationId="{90B6A678-F78A-5E7F-A0E9-3A3B773CE733}"/>
+          </ac:spMkLst>
+        </pc:spChg>
+      </pc:sldChg>
+      <pc:sldChg chg="del">
+        <pc:chgData name="Zonghua Gu" userId="9a7e1853e1951ef5" providerId="LiveId" clId="{CF1FAA12-072C-4ED5-BA76-0FFFAEFDB88A}" dt="2025-09-24T02:22:17.008" v="14" actId="47"/>
+        <pc:sldMkLst>
+          <pc:docMk/>
+          <pc:sldMk cId="979784967" sldId="569"/>
+        </pc:sldMkLst>
+      </pc:sldChg>
+      <pc:sldChg chg="del">
+        <pc:chgData name="Zonghua Gu" userId="9a7e1853e1951ef5" providerId="LiveId" clId="{CF1FAA12-072C-4ED5-BA76-0FFFAEFDB88A}" dt="2025-09-24T02:22:18.506" v="15" actId="47"/>
+        <pc:sldMkLst>
+          <pc:docMk/>
+          <pc:sldMk cId="210341446" sldId="570"/>
+        </pc:sldMkLst>
+      </pc:sldChg>
+      <pc:sldChg chg="del">
+        <pc:chgData name="Zonghua Gu" userId="9a7e1853e1951ef5" providerId="LiveId" clId="{CF1FAA12-072C-4ED5-BA76-0FFFAEFDB88A}" dt="2025-09-24T02:22:20.409" v="16" actId="47"/>
+        <pc:sldMkLst>
+          <pc:docMk/>
+          <pc:sldMk cId="1649707196" sldId="572"/>
+        </pc:sldMkLst>
+      </pc:sldChg>
+      <pc:sldChg chg="del">
+        <pc:chgData name="Zonghua Gu" userId="9a7e1853e1951ef5" providerId="LiveId" clId="{CF1FAA12-072C-4ED5-BA76-0FFFAEFDB88A}" dt="2025-09-24T02:22:21.595" v="17" actId="47"/>
+        <pc:sldMkLst>
+          <pc:docMk/>
+          <pc:sldMk cId="4233569648" sldId="573"/>
+        </pc:sldMkLst>
+      </pc:sldChg>
+      <pc:sldChg chg="del">
+        <pc:chgData name="Zonghua Gu" userId="9a7e1853e1951ef5" providerId="LiveId" clId="{CF1FAA12-072C-4ED5-BA76-0FFFAEFDB88A}" dt="2025-09-24T02:21:59.311" v="4" actId="47"/>
+        <pc:sldMkLst>
+          <pc:docMk/>
+          <pc:sldMk cId="736856981" sldId="575"/>
+        </pc:sldMkLst>
+      </pc:sldChg>
+      <pc:sldChg chg="del">
+        <pc:chgData name="Zonghua Gu" userId="9a7e1853e1951ef5" providerId="LiveId" clId="{CF1FAA12-072C-4ED5-BA76-0FFFAEFDB88A}" dt="2025-09-24T02:22:00.289" v="5" actId="47"/>
+        <pc:sldMkLst>
+          <pc:docMk/>
+          <pc:sldMk cId="183442351" sldId="577"/>
         </pc:sldMkLst>
       </pc:sldChg>
     </pc:docChg>
@@ -773,7 +441,7 @@
             <a:fld id="{3AC3A17A-95E8-4381-B66B-5D6DE2B3048A}" type="datetimeFigureOut">
               <a:rPr lang="en-US" smtClean="0"/>
               <a:pPr/>
-              <a:t>9/21/2025</a:t>
+              <a:t>9/25/2025</a:t>
             </a:fld>
             <a:endParaRPr lang="en-US"/>
           </a:p>
@@ -1060,23 +728,21 @@
       </p:grpSpPr>
       <p:sp>
         <p:nvSpPr>
-          <p:cNvPr id="324610" name="Rectangle 2"/>
-          <p:cNvSpPr>
-            <a:spLocks noGrp="1" noRot="1" noChangeAspect="1" noChangeArrowheads="1" noTextEdit="1"/>
+          <p:cNvPr id="2" name="Slide Image Placeholder 1"/>
+          <p:cNvSpPr>
+            <a:spLocks noGrp="1" noRot="1" noChangeAspect="1"/>
           </p:cNvSpPr>
           <p:nvPr>
             <p:ph type="sldImg"/>
           </p:nvPr>
         </p:nvSpPr>
-        <p:spPr>
-          <a:ln/>
-        </p:spPr>
-      </p:sp>
-      <p:sp>
-        <p:nvSpPr>
-          <p:cNvPr id="324611" name="Rectangle 3"/>
-          <p:cNvSpPr>
-            <a:spLocks noGrp="1" noChangeArrowheads="1"/>
+        <p:spPr/>
+      </p:sp>
+      <p:sp>
+        <p:nvSpPr>
+          <p:cNvPr id="3" name="Notes Placeholder 2"/>
+          <p:cNvSpPr>
+            <a:spLocks noGrp="1"/>
           </p:cNvSpPr>
           <p:nvPr>
             <p:ph type="body" idx="1"/>
@@ -1087,132 +753,110 @@
           <a:bodyPr/>
           <a:lstStyle/>
           <a:p>
-            <a:pPr marL="0" marR="0" lvl="0" indent="0" algn="l" defTabSz="914400" rtl="0" eaLnBrk="1" fontAlgn="auto" latinLnBrk="0" hangingPunct="1">
-              <a:lnSpc>
-                <a:spcPct val="100000"/>
-              </a:lnSpc>
-              <a:spcBef>
-                <a:spcPts val="0"/>
-              </a:spcBef>
-              <a:spcAft>
-                <a:spcPts val="0"/>
-              </a:spcAft>
-              <a:buClrTx/>
-              <a:buSzTx/>
-              <a:buFontTx/>
-              <a:buNone/>
-              <a:tabLst/>
-              <a:defRPr/>
-            </a:pPr>
-            <a:r>
-              <a:rPr kumimoji="0" lang="en-US" sz="1200" b="0" i="0" u="none" strike="noStrike" kern="1200" cap="none" spc="0" normalizeH="0" baseline="0" noProof="0" dirty="0">
-                <a:ln>
-                  <a:noFill/>
-                </a:ln>
+            <a:r>
+              <a:rPr lang="en-US" dirty="0">
+                <a:latin typeface="Gill Sans Light"/>
+              </a:rPr>
+              <a:t>Useful for multiword shifts and certain crypto/bit-</a:t>
+            </a:r>
+            <a:r>
+              <a:rPr lang="en-US" dirty="0" err="1">
+                <a:latin typeface="Gill Sans Light"/>
+              </a:rPr>
+              <a:t>manip</a:t>
+            </a:r>
+            <a:r>
+              <a:rPr lang="en-US" dirty="0">
+                <a:latin typeface="Gill Sans Light"/>
+              </a:rPr>
+              <a:t> patterns</a:t>
+            </a:r>
+          </a:p>
+          <a:p>
+            <a:r>
+              <a:rPr lang="en-US" sz="1200" b="1" i="0" kern="1200" dirty="0">
                 <a:solidFill>
-                  <a:prstClr val="black"/>
+                  <a:schemeClr val="tx1"/>
                 </a:solidFill>
                 <a:effectLst/>
-                <a:uLnTx/>
-                <a:uFillTx/>
-                <a:latin typeface="Gill Sans MT"/>
+                <a:latin typeface="+mn-lt"/>
                 <a:ea typeface="+mn-ea"/>
                 <a:cs typeface="+mn-cs"/>
               </a:rPr>
-              <a:t>C is cleared </a:t>
-            </a:r>
-            <a:r>
-              <a:rPr kumimoji="0" lang="en-US" sz="1200" b="0" i="0" u="none" strike="noStrike" kern="1200" cap="none" spc="0" normalizeH="0" baseline="0" noProof="0" dirty="0">
-                <a:ln>
-                  <a:noFill/>
-                </a:ln>
+              <a:t>LSR (used here)</a:t>
+            </a:r>
+            <a:r>
+              <a:rPr lang="en-US" sz="1200" b="0" i="0" kern="1200" dirty="0">
                 <a:solidFill>
-                  <a:prstClr val="black"/>
+                  <a:schemeClr val="tx1"/>
                 </a:solidFill>
                 <a:effectLst/>
-                <a:uLnTx/>
-                <a:uFillTx/>
-                <a:latin typeface="Gill Sans MT"/>
-                <a:ea typeface="+mn-ea"/>
-                <a:cs typeface="Times New Roman" pitchFamily="18" charset="0"/>
-              </a:rPr>
-              <a:t>upon </a:t>
-            </a:r>
-            <a:r>
-              <a:rPr kumimoji="0" lang="en-US" sz="1200" b="0" i="0" u="none" strike="noStrike" kern="1200" cap="none" spc="0" normalizeH="0" baseline="0" noProof="0" dirty="0">
-                <a:ln>
-                  <a:noFill/>
-                </a:ln>
-                <a:solidFill>
-                  <a:prstClr val="black"/>
-                </a:solidFill>
-                <a:effectLst/>
-                <a:uLnTx/>
-                <a:uFillTx/>
-                <a:latin typeface="Gill Sans MT"/>
+                <a:latin typeface="+mn-lt"/>
                 <a:ea typeface="+mn-ea"/>
                 <a:cs typeface="+mn-cs"/>
               </a:rPr>
-              <a:t>an </a:t>
-            </a:r>
-            <a:r>
-              <a:rPr kumimoji="0" lang="en-US" sz="1200" b="1" i="0" u="sng" strike="noStrike" kern="1200" cap="none" spc="0" normalizeH="0" baseline="0" noProof="0" dirty="0">
-                <a:ln>
-                  <a:noFill/>
-                </a:ln>
+              <a:t>: Always fills with zeros, converting the negative value to a large positive number</a:t>
+            </a:r>
+          </a:p>
+          <a:p>
+            <a:r>
+              <a:rPr lang="en-US" sz="1200" b="1" i="0" kern="1200" dirty="0">
                 <a:solidFill>
-                  <a:srgbClr val="800000"/>
+                  <a:schemeClr val="tx1"/>
                 </a:solidFill>
                 <a:effectLst/>
-                <a:uLnTx/>
-                <a:uFillTx/>
-                <a:latin typeface="Gill Sans MT"/>
+                <a:latin typeface="+mn-lt"/>
                 <a:ea typeface="+mn-ea"/>
                 <a:cs typeface="+mn-cs"/>
               </a:rPr>
-              <a:t>unsigned</a:t>
-            </a:r>
-            <a:r>
-              <a:rPr kumimoji="0" lang="en-US" sz="1200" b="0" i="0" u="none" strike="noStrike" kern="1200" cap="none" spc="0" normalizeH="0" baseline="0" noProof="0" dirty="0">
-                <a:ln>
-                  <a:noFill/>
-                </a:ln>
+              <a:t>ASR</a:t>
+            </a:r>
+            <a:r>
+              <a:rPr lang="en-US" sz="1200" b="0" i="0" kern="1200" dirty="0">
                 <a:solidFill>
-                  <a:prstClr val="black"/>
+                  <a:schemeClr val="tx1"/>
                 </a:solidFill>
                 <a:effectLst/>
-                <a:uLnTx/>
-                <a:uFillTx/>
-                <a:latin typeface="Gill Sans MT"/>
+                <a:latin typeface="+mn-lt"/>
                 <a:ea typeface="+mn-ea"/>
                 <a:cs typeface="+mn-cs"/>
               </a:rPr>
-              <a:t> subtract if the answer is wrong</a:t>
-            </a:r>
-            <a:endParaRPr kumimoji="0" lang="en-US" sz="300" b="0" i="0" u="none" strike="noStrike" kern="1200" cap="none" spc="0" normalizeH="0" baseline="0" noProof="0" dirty="0">
-              <a:ln>
-                <a:noFill/>
-              </a:ln>
-              <a:solidFill>
-                <a:prstClr val="black"/>
-              </a:solidFill>
-              <a:effectLst/>
-              <a:uLnTx/>
-              <a:uFillTx/>
-              <a:latin typeface="Gill Sans MT"/>
-              <a:ea typeface="+mn-ea"/>
-              <a:cs typeface="+mn-cs"/>
-            </a:endParaRPr>
+              <a:t>: Would preserve the sign bit, maintaining the negative value (-4096)</a:t>
+            </a:r>
           </a:p>
           <a:p>
             <a:endParaRPr lang="en-US" dirty="0"/>
+          </a:p>
+        </p:txBody>
+      </p:sp>
+      <p:sp>
+        <p:nvSpPr>
+          <p:cNvPr id="4" name="Slide Number Placeholder 3"/>
+          <p:cNvSpPr>
+            <a:spLocks noGrp="1"/>
+          </p:cNvSpPr>
+          <p:nvPr>
+            <p:ph type="sldNum" sz="quarter" idx="5"/>
+          </p:nvPr>
+        </p:nvSpPr>
+        <p:spPr/>
+        <p:txBody>
+          <a:bodyPr/>
+          <a:lstStyle/>
+          <a:p>
+            <a:fld id="{1B0C9D69-9831-4844-8B1E-062B2DA58B0D}" type="slidenum">
+              <a:rPr lang="en-US" smtClean="0"/>
+              <a:pPr/>
+              <a:t>8</a:t>
+            </a:fld>
+            <a:endParaRPr lang="en-US"/>
           </a:p>
         </p:txBody>
       </p:sp>
     </p:spTree>
     <p:extLst>
       <p:ext uri="{BB962C8B-B14F-4D97-AF65-F5344CB8AC3E}">
-        <p14:creationId xmlns:p14="http://schemas.microsoft.com/office/powerpoint/2010/main" val="2841450837"/>
+        <p14:creationId xmlns:p14="http://schemas.microsoft.com/office/powerpoint/2010/main" val="4171550103"/>
       </p:ext>
     </p:extLst>
   </p:cSld>
@@ -1266,47 +910,7 @@
           <a:bodyPr/>
           <a:lstStyle/>
           <a:p>
-            <a:pPr lvl="1"/>
-            <a:r>
-              <a:rPr lang="en-US" dirty="0"/>
-              <a:t>r0 = 0xffffffff</a:t>
-            </a:r>
-          </a:p>
-          <a:p>
-            <a:pPr lvl="1"/>
-            <a:r>
-              <a:rPr lang="en-US" dirty="0"/>
-              <a:t>r1 = 0x00000001</a:t>
-            </a:r>
-          </a:p>
-          <a:p>
-            <a:pPr lvl="1"/>
-            <a:r>
-              <a:rPr lang="en-US" dirty="0"/>
-              <a:t>r2 = 0x00000003</a:t>
-            </a:r>
-          </a:p>
-          <a:p>
-            <a:pPr lvl="1"/>
-            <a:r>
-              <a:rPr lang="en-US" dirty="0"/>
-              <a:t>r3 = 0xfffffff0</a:t>
-            </a:r>
-          </a:p>
-          <a:p>
             <a:endParaRPr lang="en-US" dirty="0"/>
-          </a:p>
-          <a:p>
-            <a:r>
-              <a:rPr lang="en-US" dirty="0"/>
-              <a:t>The N, Z, C, and V flags start out as zero.</a:t>
-            </a:r>
-          </a:p>
-          <a:p>
-            <a:r>
-              <a:rPr lang="en-US" dirty="0"/>
-              <a:t>After the execution of the following instructions, fill in the flag values. </a:t>
-            </a:r>
           </a:p>
         </p:txBody>
       </p:sp>
@@ -1328,7 +932,7 @@
             <a:fld id="{1B0C9D69-9831-4844-8B1E-062B2DA58B0D}" type="slidenum">
               <a:rPr lang="en-US" smtClean="0"/>
               <a:pPr/>
-              <a:t>6</a:t>
+              <a:t>11</a:t>
             </a:fld>
             <a:endParaRPr lang="en-US"/>
           </a:p>
@@ -1337,7 +941,7 @@
     </p:spTree>
     <p:extLst>
       <p:ext uri="{BB962C8B-B14F-4D97-AF65-F5344CB8AC3E}">
-        <p14:creationId xmlns:p14="http://schemas.microsoft.com/office/powerpoint/2010/main" val="3497697715"/>
+        <p14:creationId xmlns:p14="http://schemas.microsoft.com/office/powerpoint/2010/main" val="4186593333"/>
       </p:ext>
     </p:extLst>
   </p:cSld>
@@ -1392,78 +996,328 @@
           <a:lstStyle/>
           <a:p>
             <a:r>
-              <a:rPr lang="en-US" dirty="0">
-                <a:latin typeface="Gill Sans Light"/>
-              </a:rPr>
-              <a:t>Useful for multiword shifts and certain crypto/bit-</a:t>
-            </a:r>
-            <a:r>
-              <a:rPr lang="en-US" dirty="0" err="1">
-                <a:latin typeface="Gill Sans Light"/>
-              </a:rPr>
-              <a:t>manip</a:t>
-            </a:r>
-            <a:r>
-              <a:rPr lang="en-US" dirty="0">
-                <a:latin typeface="Gill Sans Light"/>
-              </a:rPr>
-              <a:t> patterns</a:t>
-            </a:r>
-          </a:p>
-          <a:p>
-            <a:r>
-              <a:rPr lang="en-US" sz="1200" b="1" i="0" kern="1200" dirty="0">
+              <a:rPr lang="en-US" dirty="0"/>
+              <a:t>ANS: count ones, then subtract from 32</a:t>
+            </a:r>
+          </a:p>
+          <a:p>
+            <a:r>
+              <a:rPr lang="pt-BR" dirty="0"/>
+              <a:t>Or </a:t>
+            </a:r>
+            <a:r>
+              <a:rPr lang="en-US" dirty="0"/>
+              <a:t>Invert r0 to get r4, then count 0’s in r4</a:t>
+            </a:r>
+          </a:p>
+          <a:p>
+            <a:endParaRPr lang="en-US" dirty="0"/>
+          </a:p>
+        </p:txBody>
+      </p:sp>
+      <p:sp>
+        <p:nvSpPr>
+          <p:cNvPr id="4" name="Slide Number Placeholder 3"/>
+          <p:cNvSpPr>
+            <a:spLocks noGrp="1"/>
+          </p:cNvSpPr>
+          <p:nvPr>
+            <p:ph type="sldNum" sz="quarter" idx="5"/>
+          </p:nvPr>
+        </p:nvSpPr>
+        <p:spPr/>
+        <p:txBody>
+          <a:bodyPr/>
+          <a:lstStyle/>
+          <a:p>
+            <a:fld id="{1B0C9D69-9831-4844-8B1E-062B2DA58B0D}" type="slidenum">
+              <a:rPr lang="en-US" smtClean="0"/>
+              <a:pPr/>
+              <a:t>15</a:t>
+            </a:fld>
+            <a:endParaRPr lang="en-US"/>
+          </a:p>
+        </p:txBody>
+      </p:sp>
+    </p:spTree>
+    <p:extLst>
+      <p:ext uri="{BB962C8B-B14F-4D97-AF65-F5344CB8AC3E}">
+        <p14:creationId xmlns:p14="http://schemas.microsoft.com/office/powerpoint/2010/main" val="1182014578"/>
+      </p:ext>
+    </p:extLst>
+  </p:cSld>
+  <p:clrMapOvr>
+    <a:masterClrMapping/>
+  </p:clrMapOvr>
+</p:notes>
+</file>
+
+<file path=ppt/notesSlides/notesSlide4.xml><?xml version="1.0" encoding="utf-8"?>
+<p:notes xmlns:a="http://schemas.openxmlformats.org/drawingml/2006/main" xmlns:r="http://schemas.openxmlformats.org/officeDocument/2006/relationships" xmlns:p="http://schemas.openxmlformats.org/presentationml/2006/main">
+  <p:cSld>
+    <p:spTree>
+      <p:nvGrpSpPr>
+        <p:cNvPr id="1" name=""/>
+        <p:cNvGrpSpPr/>
+        <p:nvPr/>
+      </p:nvGrpSpPr>
+      <p:grpSpPr>
+        <a:xfrm>
+          <a:off x="0" y="0"/>
+          <a:ext cx="0" cy="0"/>
+          <a:chOff x="0" y="0"/>
+          <a:chExt cx="0" cy="0"/>
+        </a:xfrm>
+      </p:grpSpPr>
+      <p:sp>
+        <p:nvSpPr>
+          <p:cNvPr id="324610" name="Rectangle 2"/>
+          <p:cNvSpPr>
+            <a:spLocks noGrp="1" noRot="1" noChangeAspect="1" noChangeArrowheads="1" noTextEdit="1"/>
+          </p:cNvSpPr>
+          <p:nvPr>
+            <p:ph type="sldImg"/>
+          </p:nvPr>
+        </p:nvSpPr>
+        <p:spPr>
+          <a:ln/>
+        </p:spPr>
+      </p:sp>
+      <p:sp>
+        <p:nvSpPr>
+          <p:cNvPr id="324611" name="Rectangle 3"/>
+          <p:cNvSpPr>
+            <a:spLocks noGrp="1" noChangeArrowheads="1"/>
+          </p:cNvSpPr>
+          <p:nvPr>
+            <p:ph type="body" idx="1"/>
+          </p:nvPr>
+        </p:nvSpPr>
+        <p:spPr/>
+        <p:txBody>
+          <a:bodyPr/>
+          <a:lstStyle/>
+          <a:p>
+            <a:pPr marL="0" marR="0" lvl="0" indent="0" algn="l" defTabSz="914400" rtl="0" eaLnBrk="1" fontAlgn="auto" latinLnBrk="0" hangingPunct="1">
+              <a:lnSpc>
+                <a:spcPct val="100000"/>
+              </a:lnSpc>
+              <a:spcBef>
+                <a:spcPts val="0"/>
+              </a:spcBef>
+              <a:spcAft>
+                <a:spcPts val="0"/>
+              </a:spcAft>
+              <a:buClrTx/>
+              <a:buSzTx/>
+              <a:buFontTx/>
+              <a:buNone/>
+              <a:tabLst/>
+              <a:defRPr/>
+            </a:pPr>
+            <a:r>
+              <a:rPr kumimoji="0" lang="en-US" sz="1200" b="0" i="0" u="none" strike="noStrike" kern="1200" cap="none" spc="0" normalizeH="0" baseline="0" noProof="0" dirty="0">
+                <a:ln>
+                  <a:noFill/>
+                </a:ln>
                 <a:solidFill>
-                  <a:schemeClr val="tx1"/>
+                  <a:prstClr val="black"/>
                 </a:solidFill>
                 <a:effectLst/>
-                <a:latin typeface="+mn-lt"/>
+                <a:uLnTx/>
+                <a:uFillTx/>
+                <a:latin typeface="Gill Sans MT"/>
                 <a:ea typeface="+mn-ea"/>
                 <a:cs typeface="+mn-cs"/>
               </a:rPr>
-              <a:t>LSR (used here)</a:t>
-            </a:r>
-            <a:r>
-              <a:rPr lang="en-US" sz="1200" b="0" i="0" kern="1200" dirty="0">
+              <a:t>C is cleared </a:t>
+            </a:r>
+            <a:r>
+              <a:rPr kumimoji="0" lang="en-US" sz="1200" b="0" i="0" u="none" strike="noStrike" kern="1200" cap="none" spc="0" normalizeH="0" baseline="0" noProof="0" dirty="0">
+                <a:ln>
+                  <a:noFill/>
+                </a:ln>
                 <a:solidFill>
-                  <a:schemeClr val="tx1"/>
+                  <a:prstClr val="black"/>
                 </a:solidFill>
                 <a:effectLst/>
-                <a:latin typeface="+mn-lt"/>
+                <a:uLnTx/>
+                <a:uFillTx/>
+                <a:latin typeface="Gill Sans MT"/>
+                <a:ea typeface="+mn-ea"/>
+                <a:cs typeface="Times New Roman" pitchFamily="18" charset="0"/>
+              </a:rPr>
+              <a:t>upon </a:t>
+            </a:r>
+            <a:r>
+              <a:rPr kumimoji="0" lang="en-US" sz="1200" b="0" i="0" u="none" strike="noStrike" kern="1200" cap="none" spc="0" normalizeH="0" baseline="0" noProof="0" dirty="0">
+                <a:ln>
+                  <a:noFill/>
+                </a:ln>
+                <a:solidFill>
+                  <a:prstClr val="black"/>
+                </a:solidFill>
+                <a:effectLst/>
+                <a:uLnTx/>
+                <a:uFillTx/>
+                <a:latin typeface="Gill Sans MT"/>
                 <a:ea typeface="+mn-ea"/>
                 <a:cs typeface="+mn-cs"/>
               </a:rPr>
-              <a:t>: Always fills with zeros, converting the negative value to a large positive number</a:t>
-            </a:r>
-          </a:p>
-          <a:p>
-            <a:r>
-              <a:rPr lang="en-US" sz="1200" b="1" i="0" kern="1200" dirty="0">
+              <a:t>an </a:t>
+            </a:r>
+            <a:r>
+              <a:rPr kumimoji="0" lang="en-US" sz="1200" b="1" i="0" u="sng" strike="noStrike" kern="1200" cap="none" spc="0" normalizeH="0" baseline="0" noProof="0" dirty="0">
+                <a:ln>
+                  <a:noFill/>
+                </a:ln>
                 <a:solidFill>
-                  <a:schemeClr val="tx1"/>
+                  <a:srgbClr val="800000"/>
                 </a:solidFill>
                 <a:effectLst/>
-                <a:latin typeface="+mn-lt"/>
+                <a:uLnTx/>
+                <a:uFillTx/>
+                <a:latin typeface="Gill Sans MT"/>
                 <a:ea typeface="+mn-ea"/>
                 <a:cs typeface="+mn-cs"/>
               </a:rPr>
-              <a:t>ASR</a:t>
-            </a:r>
-            <a:r>
-              <a:rPr lang="en-US" sz="1200" b="0" i="0" kern="1200" dirty="0">
+              <a:t>unsigned</a:t>
+            </a:r>
+            <a:r>
+              <a:rPr kumimoji="0" lang="en-US" sz="1200" b="0" i="0" u="none" strike="noStrike" kern="1200" cap="none" spc="0" normalizeH="0" baseline="0" noProof="0" dirty="0">
+                <a:ln>
+                  <a:noFill/>
+                </a:ln>
                 <a:solidFill>
-                  <a:schemeClr val="tx1"/>
+                  <a:prstClr val="black"/>
                 </a:solidFill>
                 <a:effectLst/>
-                <a:latin typeface="+mn-lt"/>
+                <a:uLnTx/>
+                <a:uFillTx/>
+                <a:latin typeface="Gill Sans MT"/>
                 <a:ea typeface="+mn-ea"/>
                 <a:cs typeface="+mn-cs"/>
               </a:rPr>
-              <a:t>: Would preserve the sign bit, maintaining the negative value (-4096)</a:t>
-            </a:r>
+              <a:t> subtract if the answer is wrong</a:t>
+            </a:r>
+            <a:endParaRPr kumimoji="0" lang="en-US" sz="300" b="0" i="0" u="none" strike="noStrike" kern="1200" cap="none" spc="0" normalizeH="0" baseline="0" noProof="0" dirty="0">
+              <a:ln>
+                <a:noFill/>
+              </a:ln>
+              <a:solidFill>
+                <a:prstClr val="black"/>
+              </a:solidFill>
+              <a:effectLst/>
+              <a:uLnTx/>
+              <a:uFillTx/>
+              <a:latin typeface="Gill Sans MT"/>
+              <a:ea typeface="+mn-ea"/>
+              <a:cs typeface="+mn-cs"/>
+            </a:endParaRPr>
           </a:p>
           <a:p>
             <a:endParaRPr lang="en-US" dirty="0"/>
+          </a:p>
+        </p:txBody>
+      </p:sp>
+    </p:spTree>
+    <p:extLst>
+      <p:ext uri="{BB962C8B-B14F-4D97-AF65-F5344CB8AC3E}">
+        <p14:creationId xmlns:p14="http://schemas.microsoft.com/office/powerpoint/2010/main" val="2841450837"/>
+      </p:ext>
+    </p:extLst>
+  </p:cSld>
+  <p:clrMapOvr>
+    <a:masterClrMapping/>
+  </p:clrMapOvr>
+</p:notes>
+</file>
+
+<file path=ppt/notesSlides/notesSlide5.xml><?xml version="1.0" encoding="utf-8"?>
+<p:notes xmlns:a="http://schemas.openxmlformats.org/drawingml/2006/main" xmlns:r="http://schemas.openxmlformats.org/officeDocument/2006/relationships" xmlns:p="http://schemas.openxmlformats.org/presentationml/2006/main">
+  <p:cSld>
+    <p:spTree>
+      <p:nvGrpSpPr>
+        <p:cNvPr id="1" name=""/>
+        <p:cNvGrpSpPr/>
+        <p:nvPr/>
+      </p:nvGrpSpPr>
+      <p:grpSpPr>
+        <a:xfrm>
+          <a:off x="0" y="0"/>
+          <a:ext cx="0" cy="0"/>
+          <a:chOff x="0" y="0"/>
+          <a:chExt cx="0" cy="0"/>
+        </a:xfrm>
+      </p:grpSpPr>
+      <p:sp>
+        <p:nvSpPr>
+          <p:cNvPr id="2" name="Slide Image Placeholder 1"/>
+          <p:cNvSpPr>
+            <a:spLocks noGrp="1" noRot="1" noChangeAspect="1"/>
+          </p:cNvSpPr>
+          <p:nvPr>
+            <p:ph type="sldImg"/>
+          </p:nvPr>
+        </p:nvSpPr>
+        <p:spPr/>
+      </p:sp>
+      <p:sp>
+        <p:nvSpPr>
+          <p:cNvPr id="3" name="Notes Placeholder 2"/>
+          <p:cNvSpPr>
+            <a:spLocks noGrp="1"/>
+          </p:cNvSpPr>
+          <p:nvPr>
+            <p:ph type="body" idx="1"/>
+          </p:nvPr>
+        </p:nvSpPr>
+        <p:spPr/>
+        <p:txBody>
+          <a:bodyPr/>
+          <a:lstStyle/>
+          <a:p>
+            <a:pPr lvl="1"/>
+            <a:r>
+              <a:rPr lang="en-US" dirty="0"/>
+              <a:t>r0 = 0xffffffff</a:t>
+            </a:r>
+          </a:p>
+          <a:p>
+            <a:pPr lvl="1"/>
+            <a:r>
+              <a:rPr lang="en-US" dirty="0"/>
+              <a:t>r1 = 0x00000001</a:t>
+            </a:r>
+          </a:p>
+          <a:p>
+            <a:pPr lvl="1"/>
+            <a:r>
+              <a:rPr lang="en-US" dirty="0"/>
+              <a:t>r2 = 0x00000003</a:t>
+            </a:r>
+          </a:p>
+          <a:p>
+            <a:pPr lvl="1"/>
+            <a:r>
+              <a:rPr lang="en-US" dirty="0"/>
+              <a:t>r3 = 0xfffffff0</a:t>
+            </a:r>
+          </a:p>
+          <a:p>
+            <a:endParaRPr lang="en-US" dirty="0"/>
+          </a:p>
+          <a:p>
+            <a:r>
+              <a:rPr lang="en-US" dirty="0"/>
+              <a:t>The N, Z, C, and V flags start out as zero.</a:t>
+            </a:r>
+          </a:p>
+          <a:p>
+            <a:r>
+              <a:rPr lang="en-US" dirty="0"/>
+              <a:t>After the execution of the following instructions, fill in the flag values. </a:t>
+            </a:r>
           </a:p>
         </p:txBody>
       </p:sp>
@@ -1485,7 +1339,7 @@
             <a:fld id="{1B0C9D69-9831-4844-8B1E-062B2DA58B0D}" type="slidenum">
               <a:rPr lang="en-US" smtClean="0"/>
               <a:pPr/>
-              <a:t>7</a:t>
+              <a:t>20</a:t>
             </a:fld>
             <a:endParaRPr lang="en-US"/>
           </a:p>
@@ -1494,7 +1348,7 @@
     </p:spTree>
     <p:extLst>
       <p:ext uri="{BB962C8B-B14F-4D97-AF65-F5344CB8AC3E}">
-        <p14:creationId xmlns:p14="http://schemas.microsoft.com/office/powerpoint/2010/main" val="4264105016"/>
+        <p14:creationId xmlns:p14="http://schemas.microsoft.com/office/powerpoint/2010/main" val="3497697715"/>
       </p:ext>
     </p:extLst>
   </p:cSld>
@@ -1647,7 +1501,7 @@
             <a:fld id="{966FEA0E-C2DF-4252-97AD-54F2B7E07EAC}" type="datetime1">
               <a:rPr lang="en-US" smtClean="0"/>
               <a:pPr eaLnBrk="1" latinLnBrk="0" hangingPunct="1"/>
-              <a:t>9/21/2025</a:t>
+              <a:t>9/25/2025</a:t>
             </a:fld>
             <a:endParaRPr lang="en-US" sz="1600" dirty="0"/>
           </a:p>
@@ -2008,7 +1862,7 @@
             <a:fld id="{69EF9524-0CAA-4F98-BAC2-CE6B712F5E94}" type="datetime1">
               <a:rPr lang="en-US" smtClean="0"/>
               <a:pPr eaLnBrk="1" latinLnBrk="0" hangingPunct="1"/>
-              <a:t>9/21/2025</a:t>
+              <a:t>9/25/2025</a:t>
             </a:fld>
             <a:endParaRPr lang="en-US"/>
           </a:p>
@@ -2185,7 +2039,7 @@
             <a:fld id="{CB20516D-6F89-4C89-8307-32A716E22875}" type="datetime1">
               <a:rPr lang="en-US" smtClean="0"/>
               <a:pPr eaLnBrk="1" latinLnBrk="0" hangingPunct="1"/>
-              <a:t>9/21/2025</a:t>
+              <a:t>9/25/2025</a:t>
             </a:fld>
             <a:endParaRPr lang="en-US"/>
           </a:p>
@@ -2422,7 +2276,7 @@
             <a:fld id="{0CD88620-7329-4FC3-B65D-4EA691138F1B}" type="datetime1">
               <a:rPr lang="en-US" smtClean="0"/>
               <a:pPr eaLnBrk="1" latinLnBrk="0" hangingPunct="1"/>
-              <a:t>9/21/2025</a:t>
+              <a:t>9/25/2025</a:t>
             </a:fld>
             <a:endParaRPr lang="en-US" dirty="0"/>
           </a:p>
@@ -2693,7 +2547,7 @@
             <a:fld id="{0E46F3A1-5653-427D-9F78-56077401431A}" type="datetime1">
               <a:rPr lang="en-US" smtClean="0"/>
               <a:pPr eaLnBrk="1" latinLnBrk="0" hangingPunct="1"/>
-              <a:t>9/21/2025</a:t>
+              <a:t>9/25/2025</a:t>
             </a:fld>
             <a:endParaRPr lang="en-US" dirty="0"/>
           </a:p>
@@ -2915,7 +2769,7 @@
             <a:fld id="{CB67FC03-415A-45F0-B002-DF181377F7DC}" type="datetime1">
               <a:rPr lang="en-US" smtClean="0"/>
               <a:pPr eaLnBrk="1" latinLnBrk="0" hangingPunct="1"/>
-              <a:t>9/21/2025</a:t>
+              <a:t>9/25/2025</a:t>
             </a:fld>
             <a:endParaRPr lang="en-US"/>
           </a:p>
@@ -3269,7 +3123,7 @@
             <a:fld id="{1B6FC726-A0B4-4FC7-90F5-F17415A5C1A3}" type="datetime1">
               <a:rPr lang="en-US" smtClean="0"/>
               <a:pPr eaLnBrk="1" latinLnBrk="0" hangingPunct="1"/>
-              <a:t>9/21/2025</a:t>
+              <a:t>9/25/2025</a:t>
             </a:fld>
             <a:endParaRPr lang="en-US"/>
           </a:p>
@@ -3503,7 +3357,7 @@
             <a:fld id="{BE217211-C3F9-4892-9CC3-C7105638567D}" type="datetime1">
               <a:rPr lang="en-US" smtClean="0"/>
               <a:pPr eaLnBrk="1" latinLnBrk="0" hangingPunct="1"/>
-              <a:t>9/21/2025</a:t>
+              <a:t>9/25/2025</a:t>
             </a:fld>
             <a:endParaRPr lang="en-US"/>
           </a:p>
@@ -3646,7 +3500,7 @@
             <a:fld id="{BA713E6A-6B26-4373-A75B-EF395DC64F9E}" type="datetime1">
               <a:rPr lang="en-US" smtClean="0"/>
               <a:pPr eaLnBrk="1" latinLnBrk="0" hangingPunct="1"/>
-              <a:t>9/21/2025</a:t>
+              <a:t>9/25/2025</a:t>
             </a:fld>
             <a:endParaRPr lang="en-US"/>
           </a:p>
@@ -3925,7 +3779,7 @@
             <a:fld id="{57EB41EF-4260-415A-8DD6-FEDCC46E7EFC}" type="datetime1">
               <a:rPr lang="en-US" smtClean="0"/>
               <a:pPr eaLnBrk="1" latinLnBrk="0" hangingPunct="1"/>
-              <a:t>9/21/2025</a:t>
+              <a:t>9/25/2025</a:t>
             </a:fld>
             <a:endParaRPr lang="en-US"/>
           </a:p>
@@ -4334,7 +4188,7 @@
             <a:fld id="{6BDA80A0-06CC-4492-94A0-E8516751045E}" type="datetime1">
               <a:rPr lang="en-US" smtClean="0"/>
               <a:pPr eaLnBrk="1" latinLnBrk="0" hangingPunct="1"/>
-              <a:t>9/21/2025</a:t>
+              <a:t>9/25/2025</a:t>
             </a:fld>
             <a:endParaRPr lang="en-US"/>
           </a:p>
@@ -4673,7 +4527,7 @@
             <a:fld id="{A25B5B4B-57EE-495D-8E74-A657CFD8BB6C}" type="datetime1">
               <a:rPr lang="en-US" smtClean="0"/>
               <a:pPr eaLnBrk="1" latinLnBrk="0" hangingPunct="1"/>
-              <a:t>9/21/2025</a:t>
+              <a:t>9/25/2025</a:t>
             </a:fld>
             <a:endParaRPr lang="en-US" sz="1400" dirty="0">
               <a:solidFill>
@@ -5470,7 +5324,844 @@
 </p:sld>
 </file>
 
-<file path=ppt/slides/slide2.xml><?xml version="1.0" encoding="utf-8"?>
+<file path=ppt/slides/slide10.xml><?xml version="1.0" encoding="utf-8"?>
+<p:sld xmlns:a="http://schemas.openxmlformats.org/drawingml/2006/main" xmlns:r="http://schemas.openxmlformats.org/officeDocument/2006/relationships" xmlns:p="http://schemas.openxmlformats.org/presentationml/2006/main">
+  <p:cSld>
+    <p:spTree>
+      <p:nvGrpSpPr>
+        <p:cNvPr id="1" name=""/>
+        <p:cNvGrpSpPr/>
+        <p:nvPr/>
+      </p:nvGrpSpPr>
+      <p:grpSpPr>
+        <a:xfrm>
+          <a:off x="0" y="0"/>
+          <a:ext cx="0" cy="0"/>
+          <a:chOff x="0" y="0"/>
+          <a:chExt cx="0" cy="0"/>
+        </a:xfrm>
+      </p:grpSpPr>
+      <p:sp>
+        <p:nvSpPr>
+          <p:cNvPr id="2" name="Title 1">
+            <a:extLst>
+              <a:ext uri="{FF2B5EF4-FFF2-40B4-BE49-F238E27FC236}">
+                <a16:creationId xmlns:a16="http://schemas.microsoft.com/office/drawing/2014/main" id="{DD9933DF-9610-809C-11B2-6E559AD6FCAA}"/>
+              </a:ext>
+            </a:extLst>
+          </p:cNvPr>
+          <p:cNvSpPr>
+            <a:spLocks noGrp="1"/>
+          </p:cNvSpPr>
+          <p:nvPr>
+            <p:ph type="title"/>
+          </p:nvPr>
+        </p:nvSpPr>
+        <p:spPr/>
+        <p:txBody>
+          <a:bodyPr/>
+          <a:lstStyle/>
+          <a:p>
+            <a:r>
+              <a:rPr lang="en-US" dirty="0"/>
+              <a:t>Assembly Programming</a:t>
+            </a:r>
+          </a:p>
+        </p:txBody>
+      </p:sp>
+      <p:sp>
+        <p:nvSpPr>
+          <p:cNvPr id="3" name="Slide Number Placeholder 2">
+            <a:extLst>
+              <a:ext uri="{FF2B5EF4-FFF2-40B4-BE49-F238E27FC236}">
+                <a16:creationId xmlns:a16="http://schemas.microsoft.com/office/drawing/2014/main" id="{D351F047-7DC1-1269-97CA-1BFB3E386E1A}"/>
+              </a:ext>
+            </a:extLst>
+          </p:cNvPr>
+          <p:cNvSpPr>
+            <a:spLocks noGrp="1"/>
+          </p:cNvSpPr>
+          <p:nvPr>
+            <p:ph type="sldNum" sz="quarter" idx="12"/>
+          </p:nvPr>
+        </p:nvSpPr>
+        <p:spPr/>
+        <p:txBody>
+          <a:bodyPr/>
+          <a:lstStyle/>
+          <a:p>
+            <a:fld id="{EA7C8D44-3667-46F6-9772-CC52308E2A7F}" type="slidenum">
+              <a:rPr kumimoji="0" lang="en-US" smtClean="0"/>
+              <a:pPr/>
+              <a:t>10</a:t>
+            </a:fld>
+            <a:endParaRPr kumimoji="0" lang="en-US" dirty="0"/>
+          </a:p>
+        </p:txBody>
+      </p:sp>
+      <p:sp>
+        <p:nvSpPr>
+          <p:cNvPr id="4" name="Content Placeholder 3">
+            <a:extLst>
+              <a:ext uri="{FF2B5EF4-FFF2-40B4-BE49-F238E27FC236}">
+                <a16:creationId xmlns:a16="http://schemas.microsoft.com/office/drawing/2014/main" id="{815194D1-447C-6A4E-281D-DAB9A59A84CD}"/>
+              </a:ext>
+            </a:extLst>
+          </p:cNvPr>
+          <p:cNvSpPr>
+            <a:spLocks noGrp="1"/>
+          </p:cNvSpPr>
+          <p:nvPr>
+            <p:ph sz="quarter" idx="1"/>
+          </p:nvPr>
+        </p:nvSpPr>
+        <p:spPr/>
+        <p:txBody>
+          <a:bodyPr/>
+          <a:lstStyle/>
+          <a:p>
+            <a:r>
+              <a:rPr lang="en-US" dirty="0"/>
+              <a:t>Write ARMv7 assembly for pseudocode</a:t>
+            </a:r>
+          </a:p>
+          <a:p>
+            <a:pPr lvl="1"/>
+            <a:r>
+              <a:rPr lang="en-US" dirty="0"/>
+              <a:t>r1 = (r0 &gt;&gt; 4) &amp; 15</a:t>
+            </a:r>
+          </a:p>
+        </p:txBody>
+      </p:sp>
+    </p:spTree>
+    <p:extLst>
+      <p:ext uri="{BB962C8B-B14F-4D97-AF65-F5344CB8AC3E}">
+        <p14:creationId xmlns:p14="http://schemas.microsoft.com/office/powerpoint/2010/main" val="1087481199"/>
+      </p:ext>
+    </p:extLst>
+  </p:cSld>
+  <p:clrMapOvr>
+    <a:masterClrMapping/>
+  </p:clrMapOvr>
+</p:sld>
+</file>
+
+<file path=ppt/slides/slide11.xml><?xml version="1.0" encoding="utf-8"?>
+<p:sld xmlns:a="http://schemas.openxmlformats.org/drawingml/2006/main" xmlns:r="http://schemas.openxmlformats.org/officeDocument/2006/relationships" xmlns:p="http://schemas.openxmlformats.org/presentationml/2006/main">
+  <p:cSld>
+    <p:spTree>
+      <p:nvGrpSpPr>
+        <p:cNvPr id="1" name=""/>
+        <p:cNvGrpSpPr/>
+        <p:nvPr/>
+      </p:nvGrpSpPr>
+      <p:grpSpPr>
+        <a:xfrm>
+          <a:off x="0" y="0"/>
+          <a:ext cx="0" cy="0"/>
+          <a:chOff x="0" y="0"/>
+          <a:chExt cx="0" cy="0"/>
+        </a:xfrm>
+      </p:grpSpPr>
+      <p:sp>
+        <p:nvSpPr>
+          <p:cNvPr id="2" name="Title 1">
+            <a:extLst>
+              <a:ext uri="{FF2B5EF4-FFF2-40B4-BE49-F238E27FC236}">
+                <a16:creationId xmlns:a16="http://schemas.microsoft.com/office/drawing/2014/main" id="{629A276C-A661-6DC1-DE38-563A3E2C7AF2}"/>
+              </a:ext>
+            </a:extLst>
+          </p:cNvPr>
+          <p:cNvSpPr>
+            <a:spLocks noGrp="1"/>
+          </p:cNvSpPr>
+          <p:nvPr>
+            <p:ph type="title"/>
+          </p:nvPr>
+        </p:nvSpPr>
+        <p:spPr/>
+        <p:txBody>
+          <a:bodyPr/>
+          <a:lstStyle/>
+          <a:p>
+            <a:r>
+              <a:rPr lang="en-US" dirty="0"/>
+              <a:t>Shift LSL</a:t>
+            </a:r>
+          </a:p>
+        </p:txBody>
+      </p:sp>
+      <p:sp>
+        <p:nvSpPr>
+          <p:cNvPr id="3" name="Slide Number Placeholder 2">
+            <a:extLst>
+              <a:ext uri="{FF2B5EF4-FFF2-40B4-BE49-F238E27FC236}">
+                <a16:creationId xmlns:a16="http://schemas.microsoft.com/office/drawing/2014/main" id="{69C51E37-E0A0-F2D9-EFE6-91A91F49584A}"/>
+              </a:ext>
+            </a:extLst>
+          </p:cNvPr>
+          <p:cNvSpPr>
+            <a:spLocks noGrp="1"/>
+          </p:cNvSpPr>
+          <p:nvPr>
+            <p:ph type="sldNum" sz="quarter" idx="12"/>
+          </p:nvPr>
+        </p:nvSpPr>
+        <p:spPr/>
+        <p:txBody>
+          <a:bodyPr/>
+          <a:lstStyle/>
+          <a:p>
+            <a:fld id="{EA7C8D44-3667-46F6-9772-CC52308E2A7F}" type="slidenum">
+              <a:rPr kumimoji="0" lang="en-US" smtClean="0"/>
+              <a:pPr/>
+              <a:t>11</a:t>
+            </a:fld>
+            <a:endParaRPr kumimoji="0" lang="en-US" dirty="0"/>
+          </a:p>
+        </p:txBody>
+      </p:sp>
+      <p:sp>
+        <p:nvSpPr>
+          <p:cNvPr id="4" name="Content Placeholder 3">
+            <a:extLst>
+              <a:ext uri="{FF2B5EF4-FFF2-40B4-BE49-F238E27FC236}">
+                <a16:creationId xmlns:a16="http://schemas.microsoft.com/office/drawing/2014/main" id="{3CAEC62D-8983-5B00-CA77-5B8D7EF4098B}"/>
+              </a:ext>
+            </a:extLst>
+          </p:cNvPr>
+          <p:cNvSpPr>
+            <a:spLocks noGrp="1"/>
+          </p:cNvSpPr>
+          <p:nvPr>
+            <p:ph sz="quarter" idx="1"/>
+          </p:nvPr>
+        </p:nvSpPr>
+        <p:spPr>
+          <a:xfrm>
+            <a:off x="457200" y="1219200"/>
+            <a:ext cx="8229600" cy="5257800"/>
+          </a:xfrm>
+        </p:spPr>
+        <p:txBody>
+          <a:bodyPr>
+            <a:normAutofit/>
+          </a:bodyPr>
+          <a:lstStyle/>
+          <a:p>
+            <a:r>
+              <a:rPr lang="pt-BR" dirty="0"/>
+              <a:t>Compute register values:</a:t>
+            </a:r>
+          </a:p>
+          <a:p>
+            <a:pPr lvl="1"/>
+            <a:r>
+              <a:rPr lang="pt-BR" dirty="0"/>
+              <a:t>LDR R1, =0X11223344</a:t>
+            </a:r>
+          </a:p>
+          <a:p>
+            <a:pPr lvl="1"/>
+            <a:r>
+              <a:rPr lang="pt-BR" dirty="0"/>
+              <a:t>MOV R2, R1, LSL #4</a:t>
+            </a:r>
+          </a:p>
+          <a:p>
+            <a:pPr lvl="1"/>
+            <a:r>
+              <a:rPr lang="pt-BR" dirty="0"/>
+              <a:t>MOV R3, R1, LSL #8</a:t>
+            </a:r>
+          </a:p>
+          <a:p>
+            <a:pPr lvl="1"/>
+            <a:r>
+              <a:rPr lang="pt-BR" dirty="0"/>
+              <a:t>MOV R4, R1, LSL #16</a:t>
+            </a:r>
+          </a:p>
+          <a:p>
+            <a:pPr lvl="1"/>
+            <a:r>
+              <a:rPr lang="en-US" dirty="0"/>
+              <a:t>MOV R5, R1, LSL #6</a:t>
+            </a:r>
+            <a:endParaRPr lang="pt-BR" dirty="0"/>
+          </a:p>
+        </p:txBody>
+      </p:sp>
+    </p:spTree>
+    <p:extLst>
+      <p:ext uri="{BB962C8B-B14F-4D97-AF65-F5344CB8AC3E}">
+        <p14:creationId xmlns:p14="http://schemas.microsoft.com/office/powerpoint/2010/main" val="1899289889"/>
+      </p:ext>
+    </p:extLst>
+  </p:cSld>
+  <p:clrMapOvr>
+    <a:masterClrMapping/>
+  </p:clrMapOvr>
+</p:sld>
+</file>
+
+<file path=ppt/slides/slide12.xml><?xml version="1.0" encoding="utf-8"?>
+<p:sld xmlns:a="http://schemas.openxmlformats.org/drawingml/2006/main" xmlns:r="http://schemas.openxmlformats.org/officeDocument/2006/relationships" xmlns:p="http://schemas.openxmlformats.org/presentationml/2006/main">
+  <p:cSld>
+    <p:spTree>
+      <p:nvGrpSpPr>
+        <p:cNvPr id="1" name="">
+          <a:extLst>
+            <a:ext uri="{FF2B5EF4-FFF2-40B4-BE49-F238E27FC236}">
+              <a16:creationId xmlns:a16="http://schemas.microsoft.com/office/drawing/2014/main" id="{9D91839C-F6D4-9964-61E4-7718ED85E7FC}"/>
+            </a:ext>
+          </a:extLst>
+        </p:cNvPr>
+        <p:cNvGrpSpPr/>
+        <p:nvPr/>
+      </p:nvGrpSpPr>
+      <p:grpSpPr>
+        <a:xfrm>
+          <a:off x="0" y="0"/>
+          <a:ext cx="0" cy="0"/>
+          <a:chOff x="0" y="0"/>
+          <a:chExt cx="0" cy="0"/>
+        </a:xfrm>
+      </p:grpSpPr>
+      <p:sp>
+        <p:nvSpPr>
+          <p:cNvPr id="2" name="Title 1">
+            <a:extLst>
+              <a:ext uri="{FF2B5EF4-FFF2-40B4-BE49-F238E27FC236}">
+                <a16:creationId xmlns:a16="http://schemas.microsoft.com/office/drawing/2014/main" id="{A7F4A20A-F498-3EB6-F940-C1894F1C54B4}"/>
+              </a:ext>
+            </a:extLst>
+          </p:cNvPr>
+          <p:cNvSpPr>
+            <a:spLocks noGrp="1"/>
+          </p:cNvSpPr>
+          <p:nvPr>
+            <p:ph type="title"/>
+          </p:nvPr>
+        </p:nvSpPr>
+        <p:spPr/>
+        <p:txBody>
+          <a:bodyPr/>
+          <a:lstStyle/>
+          <a:p>
+            <a:r>
+              <a:rPr lang="en-US" dirty="0"/>
+              <a:t>Shift ASR</a:t>
+            </a:r>
+          </a:p>
+        </p:txBody>
+      </p:sp>
+      <p:sp>
+        <p:nvSpPr>
+          <p:cNvPr id="3" name="Slide Number Placeholder 2">
+            <a:extLst>
+              <a:ext uri="{FF2B5EF4-FFF2-40B4-BE49-F238E27FC236}">
+                <a16:creationId xmlns:a16="http://schemas.microsoft.com/office/drawing/2014/main" id="{98B4EF46-F247-D5D5-B0F5-6E0D20018A59}"/>
+              </a:ext>
+            </a:extLst>
+          </p:cNvPr>
+          <p:cNvSpPr>
+            <a:spLocks noGrp="1"/>
+          </p:cNvSpPr>
+          <p:nvPr>
+            <p:ph type="sldNum" sz="quarter" idx="12"/>
+          </p:nvPr>
+        </p:nvSpPr>
+        <p:spPr/>
+        <p:txBody>
+          <a:bodyPr/>
+          <a:lstStyle/>
+          <a:p>
+            <a:fld id="{EA7C8D44-3667-46F6-9772-CC52308E2A7F}" type="slidenum">
+              <a:rPr kumimoji="0" lang="en-US" smtClean="0"/>
+              <a:pPr/>
+              <a:t>12</a:t>
+            </a:fld>
+            <a:endParaRPr kumimoji="0" lang="en-US" dirty="0"/>
+          </a:p>
+        </p:txBody>
+      </p:sp>
+      <p:sp>
+        <p:nvSpPr>
+          <p:cNvPr id="4" name="Content Placeholder 3">
+            <a:extLst>
+              <a:ext uri="{FF2B5EF4-FFF2-40B4-BE49-F238E27FC236}">
+                <a16:creationId xmlns:a16="http://schemas.microsoft.com/office/drawing/2014/main" id="{EEE383C9-4457-CE5C-9276-DDEA44D3054E}"/>
+              </a:ext>
+            </a:extLst>
+          </p:cNvPr>
+          <p:cNvSpPr>
+            <a:spLocks noGrp="1"/>
+          </p:cNvSpPr>
+          <p:nvPr>
+            <p:ph sz="quarter" idx="1"/>
+          </p:nvPr>
+        </p:nvSpPr>
+        <p:spPr/>
+        <p:txBody>
+          <a:bodyPr>
+            <a:normAutofit/>
+          </a:bodyPr>
+          <a:lstStyle/>
+          <a:p>
+            <a:r>
+              <a:rPr lang="pt-BR" dirty="0"/>
+              <a:t>Compute register values:</a:t>
+            </a:r>
+          </a:p>
+          <a:p>
+            <a:r>
+              <a:rPr lang="pt-BR" dirty="0"/>
+              <a:t>LDR R1, =0x81223344</a:t>
+            </a:r>
+          </a:p>
+          <a:p>
+            <a:r>
+              <a:rPr lang="pt-BR" dirty="0"/>
+              <a:t>MOV R2, R1, ASR #4</a:t>
+            </a:r>
+          </a:p>
+          <a:p>
+            <a:r>
+              <a:rPr lang="pt-BR" dirty="0"/>
+              <a:t>MOV R3, R1, ASR #8</a:t>
+            </a:r>
+          </a:p>
+          <a:p>
+            <a:r>
+              <a:rPr lang="pt-BR" dirty="0"/>
+              <a:t>MOV R4, R1, ASR #16</a:t>
+            </a:r>
+          </a:p>
+        </p:txBody>
+      </p:sp>
+    </p:spTree>
+    <p:extLst>
+      <p:ext uri="{BB962C8B-B14F-4D97-AF65-F5344CB8AC3E}">
+        <p14:creationId xmlns:p14="http://schemas.microsoft.com/office/powerpoint/2010/main" val="1151160017"/>
+      </p:ext>
+    </p:extLst>
+  </p:cSld>
+  <p:clrMapOvr>
+    <a:masterClrMapping/>
+  </p:clrMapOvr>
+</p:sld>
+</file>
+
+<file path=ppt/slides/slide13.xml><?xml version="1.0" encoding="utf-8"?>
+<p:sld xmlns:a="http://schemas.openxmlformats.org/drawingml/2006/main" xmlns:r="http://schemas.openxmlformats.org/officeDocument/2006/relationships" xmlns:p="http://schemas.openxmlformats.org/presentationml/2006/main">
+  <p:cSld>
+    <p:spTree>
+      <p:nvGrpSpPr>
+        <p:cNvPr id="1" name=""/>
+        <p:cNvGrpSpPr/>
+        <p:nvPr/>
+      </p:nvGrpSpPr>
+      <p:grpSpPr>
+        <a:xfrm>
+          <a:off x="0" y="0"/>
+          <a:ext cx="0" cy="0"/>
+          <a:chOff x="0" y="0"/>
+          <a:chExt cx="0" cy="0"/>
+        </a:xfrm>
+      </p:grpSpPr>
+      <p:sp>
+        <p:nvSpPr>
+          <p:cNvPr id="2" name="Title 1">
+            <a:extLst>
+              <a:ext uri="{FF2B5EF4-FFF2-40B4-BE49-F238E27FC236}">
+                <a16:creationId xmlns:a16="http://schemas.microsoft.com/office/drawing/2014/main" id="{0C2E5212-EBBF-507A-8939-5B24EAC68025}"/>
+              </a:ext>
+            </a:extLst>
+          </p:cNvPr>
+          <p:cNvSpPr>
+            <a:spLocks noGrp="1"/>
+          </p:cNvSpPr>
+          <p:nvPr>
+            <p:ph type="title"/>
+          </p:nvPr>
+        </p:nvSpPr>
+        <p:spPr/>
+        <p:txBody>
+          <a:bodyPr/>
+          <a:lstStyle/>
+          <a:p>
+            <a:r>
+              <a:rPr lang="en-US" dirty="0"/>
+              <a:t>Multiply without MUL</a:t>
+            </a:r>
+          </a:p>
+        </p:txBody>
+      </p:sp>
+      <p:sp>
+        <p:nvSpPr>
+          <p:cNvPr id="3" name="Slide Number Placeholder 2">
+            <a:extLst>
+              <a:ext uri="{FF2B5EF4-FFF2-40B4-BE49-F238E27FC236}">
+                <a16:creationId xmlns:a16="http://schemas.microsoft.com/office/drawing/2014/main" id="{3D282959-239B-7B59-648D-A0210CB0FED0}"/>
+              </a:ext>
+            </a:extLst>
+          </p:cNvPr>
+          <p:cNvSpPr>
+            <a:spLocks noGrp="1"/>
+          </p:cNvSpPr>
+          <p:nvPr>
+            <p:ph type="sldNum" sz="quarter" idx="12"/>
+          </p:nvPr>
+        </p:nvSpPr>
+        <p:spPr/>
+        <p:txBody>
+          <a:bodyPr/>
+          <a:lstStyle/>
+          <a:p>
+            <a:fld id="{EA7C8D44-3667-46F6-9772-CC52308E2A7F}" type="slidenum">
+              <a:rPr kumimoji="0" lang="en-US" smtClean="0"/>
+              <a:pPr/>
+              <a:t>13</a:t>
+            </a:fld>
+            <a:endParaRPr kumimoji="0" lang="en-US" dirty="0"/>
+          </a:p>
+        </p:txBody>
+      </p:sp>
+      <p:sp>
+        <p:nvSpPr>
+          <p:cNvPr id="4" name="Content Placeholder 3">
+            <a:extLst>
+              <a:ext uri="{FF2B5EF4-FFF2-40B4-BE49-F238E27FC236}">
+                <a16:creationId xmlns:a16="http://schemas.microsoft.com/office/drawing/2014/main" id="{90B6A678-F78A-5E7F-A0E9-3A3B773CE733}"/>
+              </a:ext>
+            </a:extLst>
+          </p:cNvPr>
+          <p:cNvSpPr>
+            <a:spLocks noGrp="1"/>
+          </p:cNvSpPr>
+          <p:nvPr>
+            <p:ph sz="quarter" idx="1"/>
+          </p:nvPr>
+        </p:nvSpPr>
+        <p:spPr/>
+        <p:txBody>
+          <a:bodyPr/>
+          <a:lstStyle/>
+          <a:p>
+            <a:r>
+              <a:rPr lang="en-US" dirty="0"/>
+              <a:t>Without using MUL instruction, give instructions that multiply a register, r3 by</a:t>
+            </a:r>
+          </a:p>
+          <a:p>
+            <a:pPr lvl="1"/>
+            <a:r>
+              <a:rPr lang="en-US" dirty="0"/>
+              <a:t>135</a:t>
+            </a:r>
+          </a:p>
+          <a:p>
+            <a:pPr lvl="1"/>
+            <a:r>
+              <a:rPr lang="en-US" dirty="0"/>
+              <a:t>153</a:t>
+            </a:r>
+          </a:p>
+          <a:p>
+            <a:pPr lvl="1"/>
+            <a:r>
+              <a:rPr lang="en-US" dirty="0"/>
+              <a:t>255</a:t>
+            </a:r>
+          </a:p>
+          <a:p>
+            <a:pPr lvl="1"/>
+            <a:r>
+              <a:rPr lang="en-US" dirty="0"/>
+              <a:t>18</a:t>
+            </a:r>
+          </a:p>
+          <a:p>
+            <a:pPr lvl="1"/>
+            <a:r>
+              <a:rPr lang="en-US"/>
+              <a:t>16384</a:t>
+            </a:r>
+          </a:p>
+          <a:p>
+            <a:endParaRPr lang="en-US" dirty="0"/>
+          </a:p>
+        </p:txBody>
+      </p:sp>
+    </p:spTree>
+    <p:extLst>
+      <p:ext uri="{BB962C8B-B14F-4D97-AF65-F5344CB8AC3E}">
+        <p14:creationId xmlns:p14="http://schemas.microsoft.com/office/powerpoint/2010/main" val="570184693"/>
+      </p:ext>
+    </p:extLst>
+  </p:cSld>
+  <p:clrMapOvr>
+    <a:masterClrMapping/>
+  </p:clrMapOvr>
+</p:sld>
+</file>
+
+<file path=ppt/slides/slide14.xml><?xml version="1.0" encoding="utf-8"?>
+<p:sld xmlns:a="http://schemas.openxmlformats.org/drawingml/2006/main" xmlns:r="http://schemas.openxmlformats.org/officeDocument/2006/relationships" xmlns:p="http://schemas.openxmlformats.org/presentationml/2006/main">
+  <p:cSld>
+    <p:spTree>
+      <p:nvGrpSpPr>
+        <p:cNvPr id="1" name=""/>
+        <p:cNvGrpSpPr/>
+        <p:nvPr/>
+      </p:nvGrpSpPr>
+      <p:grpSpPr>
+        <a:xfrm>
+          <a:off x="0" y="0"/>
+          <a:ext cx="0" cy="0"/>
+          <a:chOff x="0" y="0"/>
+          <a:chExt cx="0" cy="0"/>
+        </a:xfrm>
+      </p:grpSpPr>
+      <p:sp>
+        <p:nvSpPr>
+          <p:cNvPr id="2" name="Title 1">
+            <a:extLst>
+              <a:ext uri="{FF2B5EF4-FFF2-40B4-BE49-F238E27FC236}">
+                <a16:creationId xmlns:a16="http://schemas.microsoft.com/office/drawing/2014/main" id="{0130680A-E82D-BBE9-C61F-EB0A6FEBF49E}"/>
+              </a:ext>
+            </a:extLst>
+          </p:cNvPr>
+          <p:cNvSpPr>
+            <a:spLocks noGrp="1"/>
+          </p:cNvSpPr>
+          <p:nvPr>
+            <p:ph type="title"/>
+          </p:nvPr>
+        </p:nvSpPr>
+        <p:spPr/>
+        <p:txBody>
+          <a:bodyPr/>
+          <a:lstStyle/>
+          <a:p>
+            <a:r>
+              <a:rPr lang="en-US" dirty="0"/>
+              <a:t>Count number of ones</a:t>
+            </a:r>
+          </a:p>
+        </p:txBody>
+      </p:sp>
+      <p:sp>
+        <p:nvSpPr>
+          <p:cNvPr id="3" name="Slide Number Placeholder 2">
+            <a:extLst>
+              <a:ext uri="{FF2B5EF4-FFF2-40B4-BE49-F238E27FC236}">
+                <a16:creationId xmlns:a16="http://schemas.microsoft.com/office/drawing/2014/main" id="{B7C6C243-F37B-89BF-2B6A-9A56B69C57F6}"/>
+              </a:ext>
+            </a:extLst>
+          </p:cNvPr>
+          <p:cNvSpPr>
+            <a:spLocks noGrp="1"/>
+          </p:cNvSpPr>
+          <p:nvPr>
+            <p:ph type="sldNum" sz="quarter" idx="12"/>
+          </p:nvPr>
+        </p:nvSpPr>
+        <p:spPr/>
+        <p:txBody>
+          <a:bodyPr/>
+          <a:lstStyle/>
+          <a:p>
+            <a:fld id="{EA7C8D44-3667-46F6-9772-CC52308E2A7F}" type="slidenum">
+              <a:rPr kumimoji="0" lang="en-US" smtClean="0"/>
+              <a:pPr/>
+              <a:t>14</a:t>
+            </a:fld>
+            <a:endParaRPr kumimoji="0" lang="en-US" dirty="0"/>
+          </a:p>
+        </p:txBody>
+      </p:sp>
+      <p:sp>
+        <p:nvSpPr>
+          <p:cNvPr id="4" name="Content Placeholder 3">
+            <a:extLst>
+              <a:ext uri="{FF2B5EF4-FFF2-40B4-BE49-F238E27FC236}">
+                <a16:creationId xmlns:a16="http://schemas.microsoft.com/office/drawing/2014/main" id="{00C41A2D-28FB-F7BC-6CAD-42CE944332B1}"/>
+              </a:ext>
+            </a:extLst>
+          </p:cNvPr>
+          <p:cNvSpPr>
+            <a:spLocks noGrp="1"/>
+          </p:cNvSpPr>
+          <p:nvPr>
+            <p:ph sz="quarter" idx="1"/>
+          </p:nvPr>
+        </p:nvSpPr>
+        <p:spPr/>
+        <p:txBody>
+          <a:bodyPr>
+            <a:normAutofit/>
+          </a:bodyPr>
+          <a:lstStyle/>
+          <a:p>
+            <a:r>
+              <a:rPr lang="en-US" dirty="0"/>
+              <a:t>Write a program to count the number of ones in a 32-bit register r0. </a:t>
+            </a:r>
+          </a:p>
+          <a:p>
+            <a:endParaRPr lang="en-US" dirty="0"/>
+          </a:p>
+          <a:p>
+            <a:endParaRPr lang="en-US" dirty="0"/>
+          </a:p>
+        </p:txBody>
+      </p:sp>
+    </p:spTree>
+    <p:extLst>
+      <p:ext uri="{BB962C8B-B14F-4D97-AF65-F5344CB8AC3E}">
+        <p14:creationId xmlns:p14="http://schemas.microsoft.com/office/powerpoint/2010/main" val="498654524"/>
+      </p:ext>
+    </p:extLst>
+  </p:cSld>
+  <p:clrMapOvr>
+    <a:masterClrMapping/>
+  </p:clrMapOvr>
+</p:sld>
+</file>
+
+<file path=ppt/slides/slide15.xml><?xml version="1.0" encoding="utf-8"?>
+<p:sld xmlns:a="http://schemas.openxmlformats.org/drawingml/2006/main" xmlns:r="http://schemas.openxmlformats.org/officeDocument/2006/relationships" xmlns:p="http://schemas.openxmlformats.org/presentationml/2006/main">
+  <p:cSld>
+    <p:spTree>
+      <p:nvGrpSpPr>
+        <p:cNvPr id="1" name="">
+          <a:extLst>
+            <a:ext uri="{FF2B5EF4-FFF2-40B4-BE49-F238E27FC236}">
+              <a16:creationId xmlns:a16="http://schemas.microsoft.com/office/drawing/2014/main" id="{21E47DC9-FEC2-35B7-BE17-C800232773BF}"/>
+            </a:ext>
+          </a:extLst>
+        </p:cNvPr>
+        <p:cNvGrpSpPr/>
+        <p:nvPr/>
+      </p:nvGrpSpPr>
+      <p:grpSpPr>
+        <a:xfrm>
+          <a:off x="0" y="0"/>
+          <a:ext cx="0" cy="0"/>
+          <a:chOff x="0" y="0"/>
+          <a:chExt cx="0" cy="0"/>
+        </a:xfrm>
+      </p:grpSpPr>
+      <p:sp>
+        <p:nvSpPr>
+          <p:cNvPr id="2" name="Title 1">
+            <a:extLst>
+              <a:ext uri="{FF2B5EF4-FFF2-40B4-BE49-F238E27FC236}">
+                <a16:creationId xmlns:a16="http://schemas.microsoft.com/office/drawing/2014/main" id="{DBC93014-01D8-9E5D-845A-870F048F2095}"/>
+              </a:ext>
+            </a:extLst>
+          </p:cNvPr>
+          <p:cNvSpPr>
+            <a:spLocks noGrp="1"/>
+          </p:cNvSpPr>
+          <p:nvPr>
+            <p:ph type="title"/>
+          </p:nvPr>
+        </p:nvSpPr>
+        <p:spPr/>
+        <p:txBody>
+          <a:bodyPr/>
+          <a:lstStyle/>
+          <a:p>
+            <a:r>
+              <a:rPr lang="en-US" dirty="0"/>
+              <a:t>Count the number of zeros</a:t>
+            </a:r>
+          </a:p>
+        </p:txBody>
+      </p:sp>
+      <p:sp>
+        <p:nvSpPr>
+          <p:cNvPr id="3" name="Slide Number Placeholder 2">
+            <a:extLst>
+              <a:ext uri="{FF2B5EF4-FFF2-40B4-BE49-F238E27FC236}">
+                <a16:creationId xmlns:a16="http://schemas.microsoft.com/office/drawing/2014/main" id="{90D51E58-1BCE-C9D5-7122-108C438ED836}"/>
+              </a:ext>
+            </a:extLst>
+          </p:cNvPr>
+          <p:cNvSpPr>
+            <a:spLocks noGrp="1"/>
+          </p:cNvSpPr>
+          <p:nvPr>
+            <p:ph type="sldNum" sz="quarter" idx="12"/>
+          </p:nvPr>
+        </p:nvSpPr>
+        <p:spPr/>
+        <p:txBody>
+          <a:bodyPr/>
+          <a:lstStyle/>
+          <a:p>
+            <a:fld id="{EA7C8D44-3667-46F6-9772-CC52308E2A7F}" type="slidenum">
+              <a:rPr kumimoji="0" lang="en-US" smtClean="0"/>
+              <a:pPr/>
+              <a:t>15</a:t>
+            </a:fld>
+            <a:endParaRPr kumimoji="0" lang="en-US" dirty="0"/>
+          </a:p>
+        </p:txBody>
+      </p:sp>
+      <p:sp>
+        <p:nvSpPr>
+          <p:cNvPr id="4" name="Content Placeholder 3">
+            <a:extLst>
+              <a:ext uri="{FF2B5EF4-FFF2-40B4-BE49-F238E27FC236}">
+                <a16:creationId xmlns:a16="http://schemas.microsoft.com/office/drawing/2014/main" id="{F7E59F7F-A91F-C3AC-6F2E-7E041BC2CCCA}"/>
+              </a:ext>
+            </a:extLst>
+          </p:cNvPr>
+          <p:cNvSpPr>
+            <a:spLocks noGrp="1"/>
+          </p:cNvSpPr>
+          <p:nvPr>
+            <p:ph sz="quarter" idx="1"/>
+          </p:nvPr>
+        </p:nvSpPr>
+        <p:spPr>
+          <a:xfrm>
+            <a:off x="457200" y="1219200"/>
+            <a:ext cx="8229600" cy="5486400"/>
+          </a:xfrm>
+        </p:spPr>
+        <p:txBody>
+          <a:bodyPr>
+            <a:normAutofit/>
+          </a:bodyPr>
+          <a:lstStyle/>
+          <a:p>
+            <a:r>
+              <a:rPr lang="en-US" dirty="0"/>
+              <a:t>Based on the program that counts 1’s, modify it to count the number of zeros a 32-bit register r0. </a:t>
+            </a:r>
+          </a:p>
+        </p:txBody>
+      </p:sp>
+    </p:spTree>
+    <p:extLst>
+      <p:ext uri="{BB962C8B-B14F-4D97-AF65-F5344CB8AC3E}">
+        <p14:creationId xmlns:p14="http://schemas.microsoft.com/office/powerpoint/2010/main" val="2952282065"/>
+      </p:ext>
+    </p:extLst>
+  </p:cSld>
+  <p:clrMapOvr>
+    <a:masterClrMapping/>
+  </p:clrMapOvr>
+</p:sld>
+</file>
+
+<file path=ppt/slides/slide16.xml><?xml version="1.0" encoding="utf-8"?>
 <p:sld xmlns:a="http://schemas.openxmlformats.org/drawingml/2006/main" xmlns:r="http://schemas.openxmlformats.org/officeDocument/2006/relationships" xmlns:p="http://schemas.openxmlformats.org/presentationml/2006/main">
   <p:cSld>
     <p:spTree>
@@ -5602,7 +6293,7 @@
                 <a:tabLst/>
                 <a:defRPr/>
               </a:pPr>
-              <a:t>2</a:t>
+              <a:t>16</a:t>
             </a:fld>
             <a:endParaRPr kumimoji="0" lang="en-US" sz="1400" b="0" i="0" u="none" strike="noStrike" kern="1200" cap="none" spc="0" normalizeH="0" baseline="0" noProof="0">
               <a:ln>
@@ -5986,7 +6677,7 @@
                 <a:tabLst/>
                 <a:defRPr/>
               </a:pPr>
-              <a:t>2</a:t>
+              <a:t>16</a:t>
             </a:fld>
             <a:endParaRPr kumimoji="0" lang="en-US" sz="1400" b="0" i="0" u="none" strike="noStrike" kern="1200" cap="none" spc="0" normalizeH="0" baseline="0" noProof="0">
               <a:ln>
@@ -6517,7 +7208,13 @@
           <p:cNvGraphicFramePr>
             <a:graphicFrameLocks noGrp="1"/>
           </p:cNvGraphicFramePr>
-          <p:nvPr/>
+          <p:nvPr>
+            <p:extLst>
+              <p:ext uri="{D42A27DB-BD31-4B8C-83A1-F6EECF244321}">
+                <p14:modId xmlns:p14="http://schemas.microsoft.com/office/powerpoint/2010/main" val="494443522"/>
+              </p:ext>
+            </p:extLst>
+          </p:nvPr>
         </p:nvGraphicFramePr>
         <p:xfrm>
           <a:off x="1447800" y="1143000"/>
@@ -7839,7 +8536,7 @@
 </p:sld>
 </file>
 
-<file path=ppt/slides/slide3.xml><?xml version="1.0" encoding="utf-8"?>
+<file path=ppt/slides/slide17.xml><?xml version="1.0" encoding="utf-8"?>
 <p:sld xmlns:a="http://schemas.openxmlformats.org/drawingml/2006/main" xmlns:r="http://schemas.openxmlformats.org/officeDocument/2006/relationships" xmlns:p="http://schemas.openxmlformats.org/presentationml/2006/main">
   <p:cSld>
     <p:spTree>
@@ -8055,7 +8752,7 @@
 </p:sld>
 </file>
 
-<file path=ppt/slides/slide4.xml><?xml version="1.0" encoding="utf-8"?>
+<file path=ppt/slides/slide18.xml><?xml version="1.0" encoding="utf-8"?>
 <p:sld xmlns:a="http://schemas.openxmlformats.org/drawingml/2006/main" xmlns:r="http://schemas.openxmlformats.org/officeDocument/2006/relationships" xmlns:p="http://schemas.openxmlformats.org/presentationml/2006/main">
   <p:cSld>
     <p:spTree>
@@ -8124,7 +8821,7 @@
             <a:fld id="{EA7C8D44-3667-46F6-9772-CC52308E2A7F}" type="slidenum">
               <a:rPr kumimoji="0" lang="en-US" smtClean="0"/>
               <a:pPr/>
-              <a:t>4</a:t>
+              <a:t>18</a:t>
             </a:fld>
             <a:endParaRPr kumimoji="0" lang="en-US" dirty="0"/>
           </a:p>
@@ -8253,7 +8950,7 @@
 </p:sld>
 </file>
 
-<file path=ppt/slides/slide5.xml><?xml version="1.0" encoding="utf-8"?>
+<file path=ppt/slides/slide19.xml><?xml version="1.0" encoding="utf-8"?>
 <p:sld xmlns:a="http://schemas.openxmlformats.org/drawingml/2006/main" xmlns:r="http://schemas.openxmlformats.org/officeDocument/2006/relationships" xmlns:p="http://schemas.openxmlformats.org/presentationml/2006/main">
   <p:cSld>
     <p:spTree>
@@ -8322,7 +9019,7 @@
             <a:fld id="{EA7C8D44-3667-46F6-9772-CC52308E2A7F}" type="slidenum">
               <a:rPr kumimoji="0" lang="en-US" smtClean="0"/>
               <a:pPr/>
-              <a:t>5</a:t>
+              <a:t>19</a:t>
             </a:fld>
             <a:endParaRPr kumimoji="0" lang="en-US" dirty="0"/>
           </a:p>
@@ -8450,7 +9147,7 @@
 </p:sld>
 </file>
 
-<file path=ppt/slides/slide6.xml><?xml version="1.0" encoding="utf-8"?>
+<file path=ppt/slides/slide2.xml><?xml version="1.0" encoding="utf-8"?>
 <p:sld xmlns:a="http://schemas.openxmlformats.org/drawingml/2006/main" xmlns:r="http://schemas.openxmlformats.org/officeDocument/2006/relationships" xmlns:p="http://schemas.openxmlformats.org/presentationml/2006/main">
   <p:cSld>
     <p:spTree>
@@ -8472,6 +9169,167 @@
           <p:cNvPr id="2" name="Title 1">
             <a:extLst>
               <a:ext uri="{FF2B5EF4-FFF2-40B4-BE49-F238E27FC236}">
+                <a16:creationId xmlns:a16="http://schemas.microsoft.com/office/drawing/2014/main" id="{6BA372BA-4E36-5939-EA5D-65E91EDB30B3}"/>
+              </a:ext>
+            </a:extLst>
+          </p:cNvPr>
+          <p:cNvSpPr>
+            <a:spLocks noGrp="1"/>
+          </p:cNvSpPr>
+          <p:nvPr>
+            <p:ph type="title"/>
+          </p:nvPr>
+        </p:nvSpPr>
+        <p:spPr/>
+        <p:txBody>
+          <a:bodyPr/>
+          <a:lstStyle/>
+          <a:p>
+            <a:r>
+              <a:rPr lang="en-US" dirty="0"/>
+              <a:t>Bit Manipulations</a:t>
+            </a:r>
+          </a:p>
+        </p:txBody>
+      </p:sp>
+      <p:sp>
+        <p:nvSpPr>
+          <p:cNvPr id="3" name="Slide Number Placeholder 2">
+            <a:extLst>
+              <a:ext uri="{FF2B5EF4-FFF2-40B4-BE49-F238E27FC236}">
+                <a16:creationId xmlns:a16="http://schemas.microsoft.com/office/drawing/2014/main" id="{4B2DE8FE-731E-0AC7-29AB-17D9745E19A1}"/>
+              </a:ext>
+            </a:extLst>
+          </p:cNvPr>
+          <p:cNvSpPr>
+            <a:spLocks noGrp="1"/>
+          </p:cNvSpPr>
+          <p:nvPr>
+            <p:ph type="sldNum" sz="quarter" idx="12"/>
+          </p:nvPr>
+        </p:nvSpPr>
+        <p:spPr/>
+        <p:txBody>
+          <a:bodyPr/>
+          <a:lstStyle/>
+          <a:p>
+            <a:fld id="{EA7C8D44-3667-46F6-9772-CC52308E2A7F}" type="slidenum">
+              <a:rPr kumimoji="0" lang="en-US" smtClean="0"/>
+              <a:pPr/>
+              <a:t>2</a:t>
+            </a:fld>
+            <a:endParaRPr kumimoji="0" lang="en-US" dirty="0"/>
+          </a:p>
+        </p:txBody>
+      </p:sp>
+      <p:sp>
+        <p:nvSpPr>
+          <p:cNvPr id="4" name="Content Placeholder 3">
+            <a:extLst>
+              <a:ext uri="{FF2B5EF4-FFF2-40B4-BE49-F238E27FC236}">
+                <a16:creationId xmlns:a16="http://schemas.microsoft.com/office/drawing/2014/main" id="{0DBB9D86-D583-CABE-4B85-A5314A655FCE}"/>
+              </a:ext>
+            </a:extLst>
+          </p:cNvPr>
+          <p:cNvSpPr>
+            <a:spLocks noGrp="1"/>
+          </p:cNvSpPr>
+          <p:nvPr>
+            <p:ph sz="quarter" idx="1"/>
+          </p:nvPr>
+        </p:nvSpPr>
+        <p:spPr/>
+        <p:txBody>
+          <a:bodyPr>
+            <a:normAutofit/>
+          </a:bodyPr>
+          <a:lstStyle/>
+          <a:p>
+            <a:r>
+              <a:rPr lang="pt-BR" dirty="0"/>
+              <a:t>Compute register values after each instruction</a:t>
+            </a:r>
+          </a:p>
+          <a:p>
+            <a:r>
+              <a:rPr lang="pt-BR" dirty="0"/>
+              <a:t>MOV R0, #0xABC</a:t>
+            </a:r>
+          </a:p>
+          <a:p>
+            <a:r>
+              <a:rPr lang="pt-BR" dirty="0"/>
+              <a:t>MOV R1, #0xDEF</a:t>
+            </a:r>
+          </a:p>
+          <a:p>
+            <a:r>
+              <a:rPr lang="pt-BR" dirty="0"/>
+              <a:t>AND R2, R0, R1</a:t>
+            </a:r>
+          </a:p>
+          <a:p>
+            <a:r>
+              <a:rPr lang="pt-BR" dirty="0"/>
+              <a:t>ORR R3, R0, R1</a:t>
+            </a:r>
+          </a:p>
+          <a:p>
+            <a:r>
+              <a:rPr lang="pt-BR" dirty="0"/>
+              <a:t>EOR R4, R0, R1</a:t>
+            </a:r>
+          </a:p>
+          <a:p>
+            <a:r>
+              <a:rPr lang="pt-BR" dirty="0"/>
+              <a:t>ORN R5, R0, R1</a:t>
+            </a:r>
+          </a:p>
+          <a:p>
+            <a:r>
+              <a:rPr lang="pt-BR" dirty="0"/>
+              <a:t>BIC r6, R0, R1</a:t>
+            </a:r>
+            <a:endParaRPr lang="en-US" dirty="0"/>
+          </a:p>
+        </p:txBody>
+      </p:sp>
+    </p:spTree>
+    <p:extLst>
+      <p:ext uri="{BB962C8B-B14F-4D97-AF65-F5344CB8AC3E}">
+        <p14:creationId xmlns:p14="http://schemas.microsoft.com/office/powerpoint/2010/main" val="1248622466"/>
+      </p:ext>
+    </p:extLst>
+  </p:cSld>
+  <p:clrMapOvr>
+    <a:masterClrMapping/>
+  </p:clrMapOvr>
+</p:sld>
+</file>
+
+<file path=ppt/slides/slide20.xml><?xml version="1.0" encoding="utf-8"?>
+<p:sld xmlns:a="http://schemas.openxmlformats.org/drawingml/2006/main" xmlns:r="http://schemas.openxmlformats.org/officeDocument/2006/relationships" xmlns:p="http://schemas.openxmlformats.org/presentationml/2006/main">
+  <p:cSld>
+    <p:spTree>
+      <p:nvGrpSpPr>
+        <p:cNvPr id="1" name=""/>
+        <p:cNvGrpSpPr/>
+        <p:nvPr/>
+      </p:nvGrpSpPr>
+      <p:grpSpPr>
+        <a:xfrm>
+          <a:off x="0" y="0"/>
+          <a:ext cx="0" cy="0"/>
+          <a:chOff x="0" y="0"/>
+          <a:chExt cx="0" cy="0"/>
+        </a:xfrm>
+      </p:grpSpPr>
+      <p:sp>
+        <p:nvSpPr>
+          <p:cNvPr id="2" name="Title 1">
+            <a:extLst>
+              <a:ext uri="{FF2B5EF4-FFF2-40B4-BE49-F238E27FC236}">
                 <a16:creationId xmlns:a16="http://schemas.microsoft.com/office/drawing/2014/main" id="{F03CE9CC-DEC3-BC36-FF0A-FD088EB33CA9}"/>
               </a:ext>
             </a:extLst>
@@ -8519,7 +9377,7 @@
             <a:fld id="{EA7C8D44-3667-46F6-9772-CC52308E2A7F}" type="slidenum">
               <a:rPr kumimoji="0" lang="en-US" smtClean="0"/>
               <a:pPr/>
-              <a:t>6</a:t>
+              <a:t>20</a:t>
             </a:fld>
             <a:endParaRPr kumimoji="0" lang="en-US" dirty="0"/>
           </a:p>
@@ -8603,7 +9461,13 @@
           <p:cNvGraphicFramePr>
             <a:graphicFrameLocks noGrp="1"/>
           </p:cNvGraphicFramePr>
-          <p:nvPr/>
+          <p:nvPr>
+            <p:extLst>
+              <p:ext uri="{D42A27DB-BD31-4B8C-83A1-F6EECF244321}">
+                <p14:modId xmlns:p14="http://schemas.microsoft.com/office/powerpoint/2010/main" val="1219088588"/>
+              </p:ext>
+            </p:extLst>
+          </p:nvPr>
         </p:nvGraphicFramePr>
         <p:xfrm>
           <a:off x="7070034" y="69573"/>
@@ -8812,6 +9676,498 @@
 </p:sld>
 </file>
 
+<file path=ppt/slides/slide3.xml><?xml version="1.0" encoding="utf-8"?>
+<p:sld xmlns:a="http://schemas.openxmlformats.org/drawingml/2006/main" xmlns:r="http://schemas.openxmlformats.org/officeDocument/2006/relationships" xmlns:p="http://schemas.openxmlformats.org/presentationml/2006/main">
+  <p:cSld>
+    <p:spTree>
+      <p:nvGrpSpPr>
+        <p:cNvPr id="1" name=""/>
+        <p:cNvGrpSpPr/>
+        <p:nvPr/>
+      </p:nvGrpSpPr>
+      <p:grpSpPr>
+        <a:xfrm>
+          <a:off x="0" y="0"/>
+          <a:ext cx="0" cy="0"/>
+          <a:chOff x="0" y="0"/>
+          <a:chExt cx="0" cy="0"/>
+        </a:xfrm>
+      </p:grpSpPr>
+      <p:sp>
+        <p:nvSpPr>
+          <p:cNvPr id="2" name="Title 1">
+            <a:extLst>
+              <a:ext uri="{FF2B5EF4-FFF2-40B4-BE49-F238E27FC236}">
+                <a16:creationId xmlns:a16="http://schemas.microsoft.com/office/drawing/2014/main" id="{FB628AA0-0F84-7DF4-92EB-BAB974776EB4}"/>
+              </a:ext>
+            </a:extLst>
+          </p:cNvPr>
+          <p:cNvSpPr>
+            <a:spLocks noGrp="1"/>
+          </p:cNvSpPr>
+          <p:nvPr>
+            <p:ph type="title"/>
+          </p:nvPr>
+        </p:nvSpPr>
+        <p:spPr/>
+        <p:txBody>
+          <a:bodyPr/>
+          <a:lstStyle/>
+          <a:p>
+            <a:r>
+              <a:rPr lang="en-US" dirty="0"/>
+              <a:t>Bit Manipulations</a:t>
+            </a:r>
+          </a:p>
+        </p:txBody>
+      </p:sp>
+      <p:sp>
+        <p:nvSpPr>
+          <p:cNvPr id="3" name="Slide Number Placeholder 2">
+            <a:extLst>
+              <a:ext uri="{FF2B5EF4-FFF2-40B4-BE49-F238E27FC236}">
+                <a16:creationId xmlns:a16="http://schemas.microsoft.com/office/drawing/2014/main" id="{340E95F9-96B3-6E8B-DE8A-BBFC8F51F841}"/>
+              </a:ext>
+            </a:extLst>
+          </p:cNvPr>
+          <p:cNvSpPr>
+            <a:spLocks noGrp="1"/>
+          </p:cNvSpPr>
+          <p:nvPr>
+            <p:ph type="sldNum" sz="quarter" idx="12"/>
+          </p:nvPr>
+        </p:nvSpPr>
+        <p:spPr/>
+        <p:txBody>
+          <a:bodyPr/>
+          <a:lstStyle/>
+          <a:p>
+            <a:fld id="{EA7C8D44-3667-46F6-9772-CC52308E2A7F}" type="slidenum">
+              <a:rPr kumimoji="0" lang="en-US" smtClean="0"/>
+              <a:pPr/>
+              <a:t>3</a:t>
+            </a:fld>
+            <a:endParaRPr kumimoji="0" lang="en-US" dirty="0"/>
+          </a:p>
+        </p:txBody>
+      </p:sp>
+      <p:sp>
+        <p:nvSpPr>
+          <p:cNvPr id="4" name="Content Placeholder 3">
+            <a:extLst>
+              <a:ext uri="{FF2B5EF4-FFF2-40B4-BE49-F238E27FC236}">
+                <a16:creationId xmlns:a16="http://schemas.microsoft.com/office/drawing/2014/main" id="{DCB60A19-0F6C-A6C2-28CD-C5006FC4799E}"/>
+              </a:ext>
+            </a:extLst>
+          </p:cNvPr>
+          <p:cNvSpPr>
+            <a:spLocks noGrp="1"/>
+          </p:cNvSpPr>
+          <p:nvPr>
+            <p:ph sz="quarter" idx="1"/>
+          </p:nvPr>
+        </p:nvSpPr>
+        <p:spPr/>
+        <p:txBody>
+          <a:bodyPr/>
+          <a:lstStyle/>
+          <a:p>
+            <a:r>
+              <a:rPr lang="en-US" dirty="0"/>
+              <a:t>Find the Register Value to Complement, CLEAR &amp; SET 5th, 7th, 12th bit of the given value and also find the result: 0xDECB.</a:t>
+            </a:r>
+          </a:p>
+        </p:txBody>
+      </p:sp>
+    </p:spTree>
+    <p:extLst>
+      <p:ext uri="{BB962C8B-B14F-4D97-AF65-F5344CB8AC3E}">
+        <p14:creationId xmlns:p14="http://schemas.microsoft.com/office/powerpoint/2010/main" val="3231632688"/>
+      </p:ext>
+    </p:extLst>
+  </p:cSld>
+  <p:clrMapOvr>
+    <a:masterClrMapping/>
+  </p:clrMapOvr>
+</p:sld>
+</file>
+
+<file path=ppt/slides/slide4.xml><?xml version="1.0" encoding="utf-8"?>
+<p:sld xmlns:a="http://schemas.openxmlformats.org/drawingml/2006/main" xmlns:r="http://schemas.openxmlformats.org/officeDocument/2006/relationships" xmlns:p="http://schemas.openxmlformats.org/presentationml/2006/main">
+  <p:cSld>
+    <p:spTree>
+      <p:nvGrpSpPr>
+        <p:cNvPr id="1" name=""/>
+        <p:cNvGrpSpPr/>
+        <p:nvPr/>
+      </p:nvGrpSpPr>
+      <p:grpSpPr>
+        <a:xfrm>
+          <a:off x="0" y="0"/>
+          <a:ext cx="0" cy="0"/>
+          <a:chOff x="0" y="0"/>
+          <a:chExt cx="0" cy="0"/>
+        </a:xfrm>
+      </p:grpSpPr>
+      <p:sp>
+        <p:nvSpPr>
+          <p:cNvPr id="2" name="Title 1">
+            <a:extLst>
+              <a:ext uri="{FF2B5EF4-FFF2-40B4-BE49-F238E27FC236}">
+                <a16:creationId xmlns:a16="http://schemas.microsoft.com/office/drawing/2014/main" id="{2D58574D-6CB2-432B-DAD7-C3017391DD19}"/>
+              </a:ext>
+            </a:extLst>
+          </p:cNvPr>
+          <p:cNvSpPr>
+            <a:spLocks noGrp="1"/>
+          </p:cNvSpPr>
+          <p:nvPr>
+            <p:ph type="title"/>
+          </p:nvPr>
+        </p:nvSpPr>
+        <p:spPr/>
+        <p:txBody>
+          <a:bodyPr/>
+          <a:lstStyle/>
+          <a:p>
+            <a:r>
+              <a:rPr lang="en-US" dirty="0"/>
+              <a:t>Clearing a Register </a:t>
+            </a:r>
+          </a:p>
+        </p:txBody>
+      </p:sp>
+      <p:sp>
+        <p:nvSpPr>
+          <p:cNvPr id="3" name="Slide Number Placeholder 2">
+            <a:extLst>
+              <a:ext uri="{FF2B5EF4-FFF2-40B4-BE49-F238E27FC236}">
+                <a16:creationId xmlns:a16="http://schemas.microsoft.com/office/drawing/2014/main" id="{3A9D246E-9C61-6404-3827-3323EB63DCBB}"/>
+              </a:ext>
+            </a:extLst>
+          </p:cNvPr>
+          <p:cNvSpPr>
+            <a:spLocks noGrp="1"/>
+          </p:cNvSpPr>
+          <p:nvPr>
+            <p:ph type="sldNum" sz="quarter" idx="12"/>
+          </p:nvPr>
+        </p:nvSpPr>
+        <p:spPr/>
+        <p:txBody>
+          <a:bodyPr/>
+          <a:lstStyle/>
+          <a:p>
+            <a:fld id="{EA7C8D44-3667-46F6-9772-CC52308E2A7F}" type="slidenum">
+              <a:rPr kumimoji="0" lang="en-US" smtClean="0"/>
+              <a:pPr/>
+              <a:t>4</a:t>
+            </a:fld>
+            <a:endParaRPr kumimoji="0" lang="en-US" dirty="0"/>
+          </a:p>
+        </p:txBody>
+      </p:sp>
+      <p:sp>
+        <p:nvSpPr>
+          <p:cNvPr id="4" name="Content Placeholder 3">
+            <a:extLst>
+              <a:ext uri="{FF2B5EF4-FFF2-40B4-BE49-F238E27FC236}">
+                <a16:creationId xmlns:a16="http://schemas.microsoft.com/office/drawing/2014/main" id="{563E4A31-F545-9835-7A37-FDD37464641E}"/>
+              </a:ext>
+            </a:extLst>
+          </p:cNvPr>
+          <p:cNvSpPr>
+            <a:spLocks noGrp="1"/>
+          </p:cNvSpPr>
+          <p:nvPr>
+            <p:ph sz="quarter" idx="1"/>
+          </p:nvPr>
+        </p:nvSpPr>
+        <p:spPr/>
+        <p:txBody>
+          <a:bodyPr>
+            <a:normAutofit/>
+          </a:bodyPr>
+          <a:lstStyle/>
+          <a:p>
+            <a:r>
+              <a:rPr lang="en-US" dirty="0"/>
+              <a:t>What are the different ways by which all bits in register r12 can be cleared? No other register is to be used.</a:t>
+            </a:r>
+          </a:p>
+          <a:p>
+            <a:endParaRPr lang="en-US" dirty="0"/>
+          </a:p>
+        </p:txBody>
+      </p:sp>
+    </p:spTree>
+    <p:extLst>
+      <p:ext uri="{BB962C8B-B14F-4D97-AF65-F5344CB8AC3E}">
+        <p14:creationId xmlns:p14="http://schemas.microsoft.com/office/powerpoint/2010/main" val="791286695"/>
+      </p:ext>
+    </p:extLst>
+  </p:cSld>
+  <p:clrMapOvr>
+    <a:masterClrMapping/>
+  </p:clrMapOvr>
+</p:sld>
+</file>
+
+<file path=ppt/slides/slide5.xml><?xml version="1.0" encoding="utf-8"?>
+<p:sld xmlns:a="http://schemas.openxmlformats.org/drawingml/2006/main" xmlns:r="http://schemas.openxmlformats.org/officeDocument/2006/relationships" xmlns:p="http://schemas.openxmlformats.org/presentationml/2006/main">
+  <p:cSld>
+    <p:spTree>
+      <p:nvGrpSpPr>
+        <p:cNvPr id="1" name="">
+          <a:extLst>
+            <a:ext uri="{FF2B5EF4-FFF2-40B4-BE49-F238E27FC236}">
+              <a16:creationId xmlns:a16="http://schemas.microsoft.com/office/drawing/2014/main" id="{1B52185E-E5D0-53FE-9025-6E1E1F544ACC}"/>
+            </a:ext>
+          </a:extLst>
+        </p:cNvPr>
+        <p:cNvGrpSpPr/>
+        <p:nvPr/>
+      </p:nvGrpSpPr>
+      <p:grpSpPr>
+        <a:xfrm>
+          <a:off x="0" y="0"/>
+          <a:ext cx="0" cy="0"/>
+          <a:chOff x="0" y="0"/>
+          <a:chExt cx="0" cy="0"/>
+        </a:xfrm>
+      </p:grpSpPr>
+      <p:sp>
+        <p:nvSpPr>
+          <p:cNvPr id="2" name="Title 1">
+            <a:extLst>
+              <a:ext uri="{FF2B5EF4-FFF2-40B4-BE49-F238E27FC236}">
+                <a16:creationId xmlns:a16="http://schemas.microsoft.com/office/drawing/2014/main" id="{2791E9D1-8834-4A04-E3FB-A8A892930257}"/>
+              </a:ext>
+            </a:extLst>
+          </p:cNvPr>
+          <p:cNvSpPr>
+            <a:spLocks noGrp="1"/>
+          </p:cNvSpPr>
+          <p:nvPr>
+            <p:ph type="title"/>
+          </p:nvPr>
+        </p:nvSpPr>
+        <p:spPr/>
+        <p:txBody>
+          <a:bodyPr/>
+          <a:lstStyle/>
+          <a:p>
+            <a:r>
+              <a:rPr lang="en-US" dirty="0"/>
+              <a:t>Set bits</a:t>
+            </a:r>
+          </a:p>
+        </p:txBody>
+      </p:sp>
+      <p:sp>
+        <p:nvSpPr>
+          <p:cNvPr id="3" name="Slide Number Placeholder 2">
+            <a:extLst>
+              <a:ext uri="{FF2B5EF4-FFF2-40B4-BE49-F238E27FC236}">
+                <a16:creationId xmlns:a16="http://schemas.microsoft.com/office/drawing/2014/main" id="{9BAF3843-F3F6-8D87-7E25-5C354332C4FC}"/>
+              </a:ext>
+            </a:extLst>
+          </p:cNvPr>
+          <p:cNvSpPr>
+            <a:spLocks noGrp="1"/>
+          </p:cNvSpPr>
+          <p:nvPr>
+            <p:ph type="sldNum" sz="quarter" idx="12"/>
+          </p:nvPr>
+        </p:nvSpPr>
+        <p:spPr/>
+        <p:txBody>
+          <a:bodyPr/>
+          <a:lstStyle/>
+          <a:p>
+            <a:fld id="{EA7C8D44-3667-46F6-9772-CC52308E2A7F}" type="slidenum">
+              <a:rPr kumimoji="0" lang="en-US" smtClean="0"/>
+              <a:pPr/>
+              <a:t>5</a:t>
+            </a:fld>
+            <a:endParaRPr kumimoji="0" lang="en-US" dirty="0"/>
+          </a:p>
+        </p:txBody>
+      </p:sp>
+      <p:sp>
+        <p:nvSpPr>
+          <p:cNvPr id="4" name="Content Placeholder 3">
+            <a:extLst>
+              <a:ext uri="{FF2B5EF4-FFF2-40B4-BE49-F238E27FC236}">
+                <a16:creationId xmlns:a16="http://schemas.microsoft.com/office/drawing/2014/main" id="{050617DE-1F04-17A2-9FAA-2F9FDE23E530}"/>
+              </a:ext>
+            </a:extLst>
+          </p:cNvPr>
+          <p:cNvSpPr>
+            <a:spLocks noGrp="1"/>
+          </p:cNvSpPr>
+          <p:nvPr>
+            <p:ph sz="quarter" idx="1"/>
+          </p:nvPr>
+        </p:nvSpPr>
+        <p:spPr/>
+        <p:txBody>
+          <a:bodyPr/>
+          <a:lstStyle/>
+          <a:p>
+            <a:r>
+              <a:rPr lang="en-US" dirty="0"/>
+              <a:t>Write an instruction that sets bits 0, 4, and 12 in register r6 and leave the remaining bits unchanged</a:t>
+            </a:r>
+          </a:p>
+          <a:p>
+            <a:r>
+              <a:rPr lang="en-US" dirty="0"/>
+              <a:t>Write an instruction that clears bits 0, 4, and 12 in register r6 and leave the remaining bits unchanged</a:t>
+            </a:r>
+          </a:p>
+        </p:txBody>
+      </p:sp>
+    </p:spTree>
+    <p:extLst>
+      <p:ext uri="{BB962C8B-B14F-4D97-AF65-F5344CB8AC3E}">
+        <p14:creationId xmlns:p14="http://schemas.microsoft.com/office/powerpoint/2010/main" val="1974797326"/>
+      </p:ext>
+    </p:extLst>
+  </p:cSld>
+  <p:clrMapOvr>
+    <a:masterClrMapping/>
+  </p:clrMapOvr>
+</p:sld>
+</file>
+
+<file path=ppt/slides/slide6.xml><?xml version="1.0" encoding="utf-8"?>
+<p:sld xmlns:a="http://schemas.openxmlformats.org/drawingml/2006/main" xmlns:r="http://schemas.openxmlformats.org/officeDocument/2006/relationships" xmlns:p="http://schemas.openxmlformats.org/presentationml/2006/main">
+  <p:cSld>
+    <p:spTree>
+      <p:nvGrpSpPr>
+        <p:cNvPr id="1" name="">
+          <a:extLst>
+            <a:ext uri="{FF2B5EF4-FFF2-40B4-BE49-F238E27FC236}">
+              <a16:creationId xmlns:a16="http://schemas.microsoft.com/office/drawing/2014/main" id="{DA474415-1D59-D54C-AAA5-43110D422CA1}"/>
+            </a:ext>
+          </a:extLst>
+        </p:cNvPr>
+        <p:cNvGrpSpPr/>
+        <p:nvPr/>
+      </p:nvGrpSpPr>
+      <p:grpSpPr>
+        <a:xfrm>
+          <a:off x="0" y="0"/>
+          <a:ext cx="0" cy="0"/>
+          <a:chOff x="0" y="0"/>
+          <a:chExt cx="0" cy="0"/>
+        </a:xfrm>
+      </p:grpSpPr>
+      <p:sp>
+        <p:nvSpPr>
+          <p:cNvPr id="2" name="Title 1">
+            <a:extLst>
+              <a:ext uri="{FF2B5EF4-FFF2-40B4-BE49-F238E27FC236}">
+                <a16:creationId xmlns:a16="http://schemas.microsoft.com/office/drawing/2014/main" id="{A7E5474F-F6FD-D4BC-236C-33597AE2951C}"/>
+              </a:ext>
+            </a:extLst>
+          </p:cNvPr>
+          <p:cNvSpPr>
+            <a:spLocks noGrp="1"/>
+          </p:cNvSpPr>
+          <p:nvPr>
+            <p:ph type="title"/>
+          </p:nvPr>
+        </p:nvSpPr>
+        <p:spPr/>
+        <p:txBody>
+          <a:bodyPr/>
+          <a:lstStyle/>
+          <a:p>
+            <a:r>
+              <a:rPr lang="en-US" dirty="0"/>
+              <a:t>Add two 128-bit numbers</a:t>
+            </a:r>
+          </a:p>
+        </p:txBody>
+      </p:sp>
+      <p:sp>
+        <p:nvSpPr>
+          <p:cNvPr id="3" name="Slide Number Placeholder 2">
+            <a:extLst>
+              <a:ext uri="{FF2B5EF4-FFF2-40B4-BE49-F238E27FC236}">
+                <a16:creationId xmlns:a16="http://schemas.microsoft.com/office/drawing/2014/main" id="{46E68F60-170B-C439-5529-D4FFE3833B62}"/>
+              </a:ext>
+            </a:extLst>
+          </p:cNvPr>
+          <p:cNvSpPr>
+            <a:spLocks noGrp="1"/>
+          </p:cNvSpPr>
+          <p:nvPr>
+            <p:ph type="sldNum" sz="quarter" idx="12"/>
+          </p:nvPr>
+        </p:nvSpPr>
+        <p:spPr/>
+        <p:txBody>
+          <a:bodyPr/>
+          <a:lstStyle/>
+          <a:p>
+            <a:fld id="{EA7C8D44-3667-46F6-9772-CC52308E2A7F}" type="slidenum">
+              <a:rPr kumimoji="0" lang="en-US" smtClean="0"/>
+              <a:pPr/>
+              <a:t>6</a:t>
+            </a:fld>
+            <a:endParaRPr kumimoji="0" lang="en-US" dirty="0"/>
+          </a:p>
+        </p:txBody>
+      </p:sp>
+      <p:sp>
+        <p:nvSpPr>
+          <p:cNvPr id="4" name="Content Placeholder 3">
+            <a:extLst>
+              <a:ext uri="{FF2B5EF4-FFF2-40B4-BE49-F238E27FC236}">
+                <a16:creationId xmlns:a16="http://schemas.microsoft.com/office/drawing/2014/main" id="{F81B9F09-071E-CC84-8518-D0A895AF2677}"/>
+              </a:ext>
+            </a:extLst>
+          </p:cNvPr>
+          <p:cNvSpPr>
+            <a:spLocks noGrp="1"/>
+          </p:cNvSpPr>
+          <p:nvPr>
+            <p:ph sz="quarter" idx="1"/>
+          </p:nvPr>
+        </p:nvSpPr>
+        <p:spPr/>
+        <p:txBody>
+          <a:bodyPr/>
+          <a:lstStyle/>
+          <a:p>
+            <a:r>
+              <a:rPr lang="en-US" dirty="0"/>
+              <a:t>Add two 128-bit numbers, assuming one number is stored in r4, r5, r6, r7 registers and the other stored in r8, r9, r10, r11. Store the result in r0, r1, r2, </a:t>
+            </a:r>
+            <a:r>
+              <a:rPr lang="en-US"/>
+              <a:t>r3.</a:t>
+            </a:r>
+            <a:endParaRPr lang="en-US" dirty="0"/>
+          </a:p>
+        </p:txBody>
+      </p:sp>
+    </p:spTree>
+    <p:extLst>
+      <p:ext uri="{BB962C8B-B14F-4D97-AF65-F5344CB8AC3E}">
+        <p14:creationId xmlns:p14="http://schemas.microsoft.com/office/powerpoint/2010/main" val="299759429"/>
+      </p:ext>
+    </p:extLst>
+  </p:cSld>
+  <p:clrMapOvr>
+    <a:masterClrMapping/>
+  </p:clrMapOvr>
+</p:sld>
+</file>
+
 <file path=ppt/slides/slide7.xml><?xml version="1.0" encoding="utf-8"?>
 <p:sld xmlns:a="http://schemas.openxmlformats.org/drawingml/2006/main" xmlns:r="http://schemas.openxmlformats.org/officeDocument/2006/relationships" xmlns:p="http://schemas.openxmlformats.org/presentationml/2006/main">
   <p:cSld>
@@ -8834,6 +10190,126 @@
           <p:cNvPr id="2" name="Title 1">
             <a:extLst>
               <a:ext uri="{FF2B5EF4-FFF2-40B4-BE49-F238E27FC236}">
+                <a16:creationId xmlns:a16="http://schemas.microsoft.com/office/drawing/2014/main" id="{2F38FA36-801E-6E7F-57F4-2BD21817F1E5}"/>
+              </a:ext>
+            </a:extLst>
+          </p:cNvPr>
+          <p:cNvSpPr>
+            <a:spLocks noGrp="1"/>
+          </p:cNvSpPr>
+          <p:nvPr>
+            <p:ph type="title"/>
+          </p:nvPr>
+        </p:nvSpPr>
+        <p:spPr/>
+        <p:txBody>
+          <a:bodyPr/>
+          <a:lstStyle/>
+          <a:p>
+            <a:r>
+              <a:rPr lang="en-US" altLang="zh-CN" dirty="0"/>
+              <a:t>A</a:t>
+            </a:r>
+            <a:r>
+              <a:rPr lang="en-US" dirty="0"/>
+              <a:t>bsolute value</a:t>
+            </a:r>
+          </a:p>
+        </p:txBody>
+      </p:sp>
+      <p:sp>
+        <p:nvSpPr>
+          <p:cNvPr id="3" name="Slide Number Placeholder 2">
+            <a:extLst>
+              <a:ext uri="{FF2B5EF4-FFF2-40B4-BE49-F238E27FC236}">
+                <a16:creationId xmlns:a16="http://schemas.microsoft.com/office/drawing/2014/main" id="{BDC6F1F3-3211-DD87-BF7B-B9BC7FFCBBDF}"/>
+              </a:ext>
+            </a:extLst>
+          </p:cNvPr>
+          <p:cNvSpPr>
+            <a:spLocks noGrp="1"/>
+          </p:cNvSpPr>
+          <p:nvPr>
+            <p:ph type="sldNum" sz="quarter" idx="12"/>
+          </p:nvPr>
+        </p:nvSpPr>
+        <p:spPr/>
+        <p:txBody>
+          <a:bodyPr/>
+          <a:lstStyle/>
+          <a:p>
+            <a:fld id="{EA7C8D44-3667-46F6-9772-CC52308E2A7F}" type="slidenum">
+              <a:rPr kumimoji="0" lang="en-US" smtClean="0"/>
+              <a:pPr/>
+              <a:t>7</a:t>
+            </a:fld>
+            <a:endParaRPr kumimoji="0" lang="en-US" dirty="0"/>
+          </a:p>
+        </p:txBody>
+      </p:sp>
+      <p:sp>
+        <p:nvSpPr>
+          <p:cNvPr id="4" name="Content Placeholder 3">
+            <a:extLst>
+              <a:ext uri="{FF2B5EF4-FFF2-40B4-BE49-F238E27FC236}">
+                <a16:creationId xmlns:a16="http://schemas.microsoft.com/office/drawing/2014/main" id="{2EC864E1-964B-A3AB-442A-DD3628D6986C}"/>
+              </a:ext>
+            </a:extLst>
+          </p:cNvPr>
+          <p:cNvSpPr>
+            <a:spLocks noGrp="1"/>
+          </p:cNvSpPr>
+          <p:nvPr>
+            <p:ph sz="quarter" idx="1"/>
+          </p:nvPr>
+        </p:nvSpPr>
+        <p:spPr/>
+        <p:txBody>
+          <a:bodyPr/>
+          <a:lstStyle/>
+          <a:p>
+            <a:r>
+              <a:rPr lang="en-US" dirty="0"/>
+              <a:t>Write a program to calculate the absolute value of a number by using only two instructions (HINT: Check CMP and RSB)</a:t>
+            </a:r>
+          </a:p>
+        </p:txBody>
+      </p:sp>
+    </p:spTree>
+    <p:extLst>
+      <p:ext uri="{BB962C8B-B14F-4D97-AF65-F5344CB8AC3E}">
+        <p14:creationId xmlns:p14="http://schemas.microsoft.com/office/powerpoint/2010/main" val="4213128627"/>
+      </p:ext>
+    </p:extLst>
+  </p:cSld>
+  <p:clrMapOvr>
+    <a:masterClrMapping/>
+  </p:clrMapOvr>
+</p:sld>
+</file>
+
+<file path=ppt/slides/slide8.xml><?xml version="1.0" encoding="utf-8"?>
+<p:sld xmlns:a="http://schemas.openxmlformats.org/drawingml/2006/main" xmlns:r="http://schemas.openxmlformats.org/officeDocument/2006/relationships" xmlns:p="http://schemas.openxmlformats.org/presentationml/2006/main">
+  <p:cSld>
+    <p:spTree>
+      <p:nvGrpSpPr>
+        <p:cNvPr id="1" name=""/>
+        <p:cNvGrpSpPr/>
+        <p:nvPr/>
+      </p:nvGrpSpPr>
+      <p:grpSpPr>
+        <a:xfrm>
+          <a:off x="0" y="0"/>
+          <a:ext cx="0" cy="0"/>
+          <a:chOff x="0" y="0"/>
+          <a:chExt cx="0" cy="0"/>
+        </a:xfrm>
+      </p:grpSpPr>
+      <p:sp>
+        <p:nvSpPr>
+          <p:cNvPr id="2" name="Title 1">
+            <a:extLst>
+              <a:ext uri="{FF2B5EF4-FFF2-40B4-BE49-F238E27FC236}">
                 <a16:creationId xmlns:a16="http://schemas.microsoft.com/office/drawing/2014/main" id="{A0D6F502-DB5A-8F9C-A5EB-10BBD9248E29}"/>
               </a:ext>
             </a:extLst>
@@ -8881,7 +10357,7 @@
             <a:fld id="{EA7C8D44-3667-46F6-9772-CC52308E2A7F}" type="slidenum">
               <a:rPr kumimoji="0" lang="en-US" smtClean="0"/>
               <a:pPr/>
-              <a:t>7</a:t>
+              <a:t>8</a:t>
             </a:fld>
             <a:endParaRPr kumimoji="0" lang="en-US" dirty="0"/>
           </a:p>
@@ -9296,235 +10772,7 @@
     </p:spTree>
     <p:extLst>
       <p:ext uri="{BB962C8B-B14F-4D97-AF65-F5344CB8AC3E}">
-        <p14:creationId xmlns:p14="http://schemas.microsoft.com/office/powerpoint/2010/main" val="2996946337"/>
-      </p:ext>
-    </p:extLst>
-  </p:cSld>
-  <p:clrMapOvr>
-    <a:masterClrMapping/>
-  </p:clrMapOvr>
-</p:sld>
-</file>
-
-<file path=ppt/slides/slide8.xml><?xml version="1.0" encoding="utf-8"?>
-<p:sld xmlns:a="http://schemas.openxmlformats.org/drawingml/2006/main" xmlns:r="http://schemas.openxmlformats.org/officeDocument/2006/relationships" xmlns:p="http://schemas.openxmlformats.org/presentationml/2006/main">
-  <p:cSld>
-    <p:spTree>
-      <p:nvGrpSpPr>
-        <p:cNvPr id="1" name=""/>
-        <p:cNvGrpSpPr/>
-        <p:nvPr/>
-      </p:nvGrpSpPr>
-      <p:grpSpPr>
-        <a:xfrm>
-          <a:off x="0" y="0"/>
-          <a:ext cx="0" cy="0"/>
-          <a:chOff x="0" y="0"/>
-          <a:chExt cx="0" cy="0"/>
-        </a:xfrm>
-      </p:grpSpPr>
-      <p:sp>
-        <p:nvSpPr>
-          <p:cNvPr id="2" name="Title 1">
-            <a:extLst>
-              <a:ext uri="{FF2B5EF4-FFF2-40B4-BE49-F238E27FC236}">
-                <a16:creationId xmlns:a16="http://schemas.microsoft.com/office/drawing/2014/main" id="{983FB880-04B3-ECE3-3ABD-F33567012B93}"/>
-              </a:ext>
-            </a:extLst>
-          </p:cNvPr>
-          <p:cNvSpPr>
-            <a:spLocks noGrp="1"/>
-          </p:cNvSpPr>
-          <p:nvPr>
-            <p:ph type="title"/>
-          </p:nvPr>
-        </p:nvSpPr>
-        <p:spPr/>
-        <p:txBody>
-          <a:bodyPr/>
-          <a:lstStyle/>
-          <a:p>
-            <a:r>
-              <a:rPr lang="en-US" dirty="0"/>
-              <a:t>Arithmetic with Shifts</a:t>
-            </a:r>
-          </a:p>
-        </p:txBody>
-      </p:sp>
-      <p:sp>
-        <p:nvSpPr>
-          <p:cNvPr id="3" name="Slide Number Placeholder 2">
-            <a:extLst>
-              <a:ext uri="{FF2B5EF4-FFF2-40B4-BE49-F238E27FC236}">
-                <a16:creationId xmlns:a16="http://schemas.microsoft.com/office/drawing/2014/main" id="{1814B1B2-C5F4-2713-F5B6-3B26A2BAA5BA}"/>
-              </a:ext>
-            </a:extLst>
-          </p:cNvPr>
-          <p:cNvSpPr>
-            <a:spLocks noGrp="1"/>
-          </p:cNvSpPr>
-          <p:nvPr>
-            <p:ph type="sldNum" sz="quarter" idx="12"/>
-          </p:nvPr>
-        </p:nvSpPr>
-        <p:spPr/>
-        <p:txBody>
-          <a:bodyPr/>
-          <a:lstStyle/>
-          <a:p>
-            <a:fld id="{EA7C8D44-3667-46F6-9772-CC52308E2A7F}" type="slidenum">
-              <a:rPr kumimoji="0" lang="en-US" smtClean="0"/>
-              <a:pPr/>
-              <a:t>8</a:t>
-            </a:fld>
-            <a:endParaRPr kumimoji="0" lang="en-US" dirty="0"/>
-          </a:p>
-        </p:txBody>
-      </p:sp>
-      <p:sp>
-        <p:nvSpPr>
-          <p:cNvPr id="4" name="Content Placeholder 3">
-            <a:extLst>
-              <a:ext uri="{FF2B5EF4-FFF2-40B4-BE49-F238E27FC236}">
-                <a16:creationId xmlns:a16="http://schemas.microsoft.com/office/drawing/2014/main" id="{77B7521E-4543-F7E4-701C-9D4CAFA526F9}"/>
-              </a:ext>
-            </a:extLst>
-          </p:cNvPr>
-          <p:cNvSpPr>
-            <a:spLocks noGrp="1"/>
-          </p:cNvSpPr>
-          <p:nvPr>
-            <p:ph sz="quarter" idx="1"/>
-          </p:nvPr>
-        </p:nvSpPr>
-        <p:spPr/>
-        <p:txBody>
-          <a:bodyPr>
-            <a:normAutofit fontScale="77500" lnSpcReduction="20000"/>
-          </a:bodyPr>
-          <a:lstStyle/>
-          <a:p>
-            <a:r>
-              <a:rPr lang="pt-BR" dirty="0"/>
-              <a:t>Assuimg 32-bit registers:</a:t>
-            </a:r>
-          </a:p>
-          <a:p>
-            <a:r>
-              <a:rPr lang="pt-BR" dirty="0"/>
-              <a:t>Q1: </a:t>
-            </a:r>
-          </a:p>
-          <a:p>
-            <a:pPr lvl="1"/>
-            <a:r>
-              <a:rPr lang="pt-BR" dirty="0"/>
-              <a:t>LDR r0, =0x00000007</a:t>
-            </a:r>
-          </a:p>
-          <a:p>
-            <a:pPr lvl="1"/>
-            <a:r>
-              <a:rPr lang="pt-BR" dirty="0"/>
-              <a:t>MOV r0, r0, LSL 7</a:t>
-            </a:r>
-          </a:p>
-          <a:p>
-            <a:r>
-              <a:rPr lang="pt-BR" dirty="0"/>
-              <a:t>Q2:</a:t>
-            </a:r>
-          </a:p>
-          <a:p>
-            <a:pPr lvl="1"/>
-            <a:r>
-              <a:rPr lang="pt-BR" dirty="0"/>
-              <a:t>LDR r0, =0x00000400</a:t>
-            </a:r>
-          </a:p>
-          <a:p>
-            <a:pPr lvl="1"/>
-            <a:r>
-              <a:rPr lang="pt-BR" dirty="0"/>
-              <a:t>MOV r0, r0, LSR 2</a:t>
-            </a:r>
-          </a:p>
-          <a:p>
-            <a:r>
-              <a:rPr lang="pt-BR" dirty="0"/>
-              <a:t>Q3:</a:t>
-            </a:r>
-          </a:p>
-          <a:p>
-            <a:pPr lvl="1"/>
-            <a:r>
-              <a:rPr lang="pt-BR" dirty="0"/>
-              <a:t>LDR r0, =</a:t>
-            </a:r>
-            <a:r>
-              <a:rPr lang="en-US" dirty="0"/>
-              <a:t>0xFFFFC000</a:t>
-            </a:r>
-          </a:p>
-          <a:p>
-            <a:pPr lvl="1"/>
-            <a:r>
-              <a:rPr lang="pt-BR" dirty="0"/>
-              <a:t>MOV r0, r0, LSR 2</a:t>
-            </a:r>
-            <a:endParaRPr lang="en-US" dirty="0"/>
-          </a:p>
-          <a:p>
-            <a:r>
-              <a:rPr lang="pt-BR" dirty="0"/>
-              <a:t>Q4:</a:t>
-            </a:r>
-          </a:p>
-          <a:p>
-            <a:pPr lvl="1"/>
-            <a:r>
-              <a:rPr lang="pt-BR" dirty="0"/>
-              <a:t>LDR r0, =</a:t>
-            </a:r>
-            <a:r>
-              <a:rPr lang="en-US" dirty="0"/>
-              <a:t>0xFFFFC000</a:t>
-            </a:r>
-          </a:p>
-          <a:p>
-            <a:pPr lvl="1"/>
-            <a:r>
-              <a:rPr lang="pt-BR" dirty="0"/>
-              <a:t>MOV r0, r0, ASR 2</a:t>
-            </a:r>
-          </a:p>
-          <a:p>
-            <a:r>
-              <a:rPr lang="pt-BR" dirty="0"/>
-              <a:t>Q5:</a:t>
-            </a:r>
-          </a:p>
-          <a:p>
-            <a:pPr lvl="1"/>
-            <a:r>
-              <a:rPr lang="pt-BR" dirty="0"/>
-              <a:t>LDR r0, =0x00000007</a:t>
-            </a:r>
-          </a:p>
-          <a:p>
-            <a:pPr lvl="1"/>
-            <a:r>
-              <a:rPr lang="pt-BR" dirty="0"/>
-              <a:t>MOV r0, r0, ROR 2</a:t>
-            </a:r>
-            <a:endParaRPr lang="en-US" dirty="0"/>
-          </a:p>
-        </p:txBody>
-      </p:sp>
-    </p:spTree>
-    <p:extLst>
-      <p:ext uri="{BB962C8B-B14F-4D97-AF65-F5344CB8AC3E}">
-        <p14:creationId xmlns:p14="http://schemas.microsoft.com/office/powerpoint/2010/main" val="868372046"/>
+        <p14:creationId xmlns:p14="http://schemas.microsoft.com/office/powerpoint/2010/main" val="2716811776"/>
       </p:ext>
     </p:extLst>
   </p:cSld>
@@ -9556,7 +10804,7 @@
           <p:cNvPr id="2" name="Title 1">
             <a:extLst>
               <a:ext uri="{FF2B5EF4-FFF2-40B4-BE49-F238E27FC236}">
-                <a16:creationId xmlns:a16="http://schemas.microsoft.com/office/drawing/2014/main" id="{DD9933DF-9610-809C-11B2-6E559AD6FCAA}"/>
+                <a16:creationId xmlns:a16="http://schemas.microsoft.com/office/drawing/2014/main" id="{983FB880-04B3-ECE3-3ABD-F33567012B93}"/>
               </a:ext>
             </a:extLst>
           </p:cNvPr>
@@ -9574,7 +10822,7 @@
           <a:p>
             <a:r>
               <a:rPr lang="en-US" dirty="0"/>
-              <a:t>Assembly Programming</a:t>
+              <a:t>Arithmetic with Shifts</a:t>
             </a:r>
           </a:p>
         </p:txBody>
@@ -9584,7 +10832,7 @@
           <p:cNvPr id="3" name="Slide Number Placeholder 2">
             <a:extLst>
               <a:ext uri="{FF2B5EF4-FFF2-40B4-BE49-F238E27FC236}">
-                <a16:creationId xmlns:a16="http://schemas.microsoft.com/office/drawing/2014/main" id="{D351F047-7DC1-1269-97CA-1BFB3E386E1A}"/>
+                <a16:creationId xmlns:a16="http://schemas.microsoft.com/office/drawing/2014/main" id="{1814B1B2-C5F4-2713-F5B6-3B26A2BAA5BA}"/>
               </a:ext>
             </a:extLst>
           </p:cNvPr>
@@ -9614,7 +10862,7 @@
           <p:cNvPr id="4" name="Content Placeholder 3">
             <a:extLst>
               <a:ext uri="{FF2B5EF4-FFF2-40B4-BE49-F238E27FC236}">
-                <a16:creationId xmlns:a16="http://schemas.microsoft.com/office/drawing/2014/main" id="{815194D1-447C-6A4E-281D-DAB9A59A84CD}"/>
+                <a16:creationId xmlns:a16="http://schemas.microsoft.com/office/drawing/2014/main" id="{77B7521E-4543-F7E4-701C-9D4CAFA526F9}"/>
               </a:ext>
             </a:extLst>
           </p:cNvPr>
@@ -9627,27 +10875,132 @@
         </p:nvSpPr>
         <p:spPr/>
         <p:txBody>
-          <a:bodyPr/>
-          <a:lstStyle/>
-          <a:p>
+          <a:bodyPr>
+            <a:normAutofit fontScale="77500" lnSpcReduction="20000"/>
+          </a:bodyPr>
+          <a:lstStyle/>
+          <a:p>
+            <a:r>
+              <a:rPr lang="pt-BR" dirty="0"/>
+              <a:t>Assuimg 32-bit registers:</a:t>
+            </a:r>
+          </a:p>
+          <a:p>
+            <a:r>
+              <a:rPr lang="pt-BR" dirty="0"/>
+              <a:t>Q1: </a:t>
+            </a:r>
+          </a:p>
+          <a:p>
+            <a:pPr lvl="1"/>
+            <a:r>
+              <a:rPr lang="pt-BR" dirty="0"/>
+              <a:t>LDR r0, =0x00000007</a:t>
+            </a:r>
+          </a:p>
+          <a:p>
+            <a:pPr lvl="1"/>
+            <a:r>
+              <a:rPr lang="pt-BR" dirty="0"/>
+              <a:t>MOV r0, r0, LSL 7</a:t>
+            </a:r>
+          </a:p>
+          <a:p>
+            <a:r>
+              <a:rPr lang="pt-BR" dirty="0"/>
+              <a:t>Q2:</a:t>
+            </a:r>
+          </a:p>
+          <a:p>
+            <a:pPr lvl="1"/>
+            <a:r>
+              <a:rPr lang="pt-BR" dirty="0"/>
+              <a:t>LDR r0, =0x00000400</a:t>
+            </a:r>
+          </a:p>
+          <a:p>
+            <a:pPr lvl="1"/>
+            <a:r>
+              <a:rPr lang="pt-BR" dirty="0"/>
+              <a:t>MOV r0, r0, LSR 2</a:t>
+            </a:r>
+          </a:p>
+          <a:p>
+            <a:r>
+              <a:rPr lang="pt-BR" dirty="0"/>
+              <a:t>Q3:</a:t>
+            </a:r>
+          </a:p>
+          <a:p>
+            <a:pPr lvl="1"/>
+            <a:r>
+              <a:rPr lang="pt-BR" dirty="0"/>
+              <a:t>LDR r0, =</a:t>
+            </a:r>
             <a:r>
               <a:rPr lang="en-US" dirty="0"/>
-              <a:t>Write ARMv7 assembly for pseudocode</a:t>
+              <a:t>0xFFFFC000</a:t>
             </a:r>
           </a:p>
           <a:p>
             <a:pPr lvl="1"/>
             <a:r>
+              <a:rPr lang="pt-BR" dirty="0"/>
+              <a:t>MOV r0, r0, LSR 2</a:t>
+            </a:r>
+            <a:endParaRPr lang="en-US" dirty="0"/>
+          </a:p>
+          <a:p>
+            <a:r>
+              <a:rPr lang="pt-BR" dirty="0"/>
+              <a:t>Q4:</a:t>
+            </a:r>
+          </a:p>
+          <a:p>
+            <a:pPr lvl="1"/>
+            <a:r>
+              <a:rPr lang="pt-BR" dirty="0"/>
+              <a:t>LDR r0, =</a:t>
+            </a:r>
+            <a:r>
               <a:rPr lang="en-US" dirty="0"/>
-              <a:t>r1 = (r0 &gt;&gt; 4) &amp; 15</a:t>
-            </a:r>
+              <a:t>0xFFFFC000</a:t>
+            </a:r>
+          </a:p>
+          <a:p>
+            <a:pPr lvl="1"/>
+            <a:r>
+              <a:rPr lang="pt-BR" dirty="0"/>
+              <a:t>MOV r0, r0, ASR 2</a:t>
+            </a:r>
+          </a:p>
+          <a:p>
+            <a:r>
+              <a:rPr lang="pt-BR" dirty="0"/>
+              <a:t>Q5:</a:t>
+            </a:r>
+          </a:p>
+          <a:p>
+            <a:pPr lvl="1"/>
+            <a:r>
+              <a:rPr lang="pt-BR" dirty="0"/>
+              <a:t>LDR r0, =0x00000007</a:t>
+            </a:r>
+          </a:p>
+          <a:p>
+            <a:pPr lvl="1"/>
+            <a:r>
+              <a:rPr lang="pt-BR" dirty="0"/>
+              <a:t>MOV r0, r0, ROR 2</a:t>
+            </a:r>
+            <a:endParaRPr lang="en-US" dirty="0"/>
           </a:p>
         </p:txBody>
       </p:sp>
     </p:spTree>
     <p:extLst>
       <p:ext uri="{BB962C8B-B14F-4D97-AF65-F5344CB8AC3E}">
-        <p14:creationId xmlns:p14="http://schemas.microsoft.com/office/powerpoint/2010/main" val="544675658"/>
+        <p14:creationId xmlns:p14="http://schemas.microsoft.com/office/powerpoint/2010/main" val="409396528"/>
       </p:ext>
     </p:extLst>
   </p:cSld>
